--- a/StripSensorDamageBigDataPoster.pptx
+++ b/StripSensorDamageBigDataPoster.pptx
@@ -262,7 +262,7 @@
           <a:p>
             <a:fld id="{1D8BD707-D9CF-40AE-B4C6-C98DA3205C09}" type="datetimeFigureOut">
               <a:rPr lang="en-US"/>
-              <a:t>11/16/20</a:t>
+              <a:t>12/8/20</a:t>
             </a:fld>
             <a:endParaRPr lang="en-US"/>
           </a:p>
@@ -438,7 +438,7 @@
           <a:p>
             <a:fld id="{1D8BD707-D9CF-40AE-B4C6-C98DA3205C09}" type="datetimeFigureOut">
               <a:rPr lang="en-US"/>
-              <a:t>11/16/20</a:t>
+              <a:t>12/8/20</a:t>
             </a:fld>
             <a:endParaRPr lang="en-US"/>
           </a:p>
@@ -657,7 +657,7 @@
           <a:p>
             <a:fld id="{1D8BD707-D9CF-40AE-B4C6-C98DA3205C09}" type="datetimeFigureOut">
               <a:rPr lang="en-US"/>
-              <a:t>11/16/20</a:t>
+              <a:t>12/8/20</a:t>
             </a:fld>
             <a:endParaRPr lang="en-US"/>
           </a:p>
@@ -810,7 +810,7 @@
           <a:p>
             <a:fld id="{1D8BD707-D9CF-40AE-B4C6-C98DA3205C09}" type="datetimeFigureOut">
               <a:rPr lang="en-US"/>
-              <a:t>11/16/20</a:t>
+              <a:t>12/8/20</a:t>
             </a:fld>
             <a:endParaRPr lang="en-US"/>
           </a:p>
@@ -929,7 +929,7 @@
           <a:p>
             <a:fld id="{1D8BD707-D9CF-40AE-B4C6-C98DA3205C09}" type="datetimeFigureOut">
               <a:rPr lang="en-US"/>
-              <a:t>11/16/20</a:t>
+              <a:t>12/8/20</a:t>
             </a:fld>
             <a:endParaRPr lang="en-US"/>
           </a:p>
@@ -1148,7 +1148,7 @@
           <a:p>
             <a:fld id="{1D8BD707-D9CF-40AE-B4C6-C98DA3205C09}" type="datetimeFigureOut">
               <a:rPr lang="en-US"/>
-              <a:t>11/16/20</a:t>
+              <a:t>12/8/20</a:t>
             </a:fld>
             <a:endParaRPr lang="en-US"/>
           </a:p>
@@ -1419,7 +1419,7 @@
         </p:nvSpPr>
         <p:spPr>
           <a:xfrm>
-            <a:off x="292608" y="274320"/>
+            <a:off x="292608" y="301957"/>
             <a:ext cx="26846784" cy="18653760"/>
           </a:xfrm>
           <a:custGeom>
@@ -1481,8 +1481,8 @@
         </p:nvSpPr>
         <p:spPr>
           <a:xfrm>
-            <a:off x="1371599" y="944852"/>
-            <a:ext cx="10429384" cy="1508105"/>
+            <a:off x="1371598" y="944852"/>
+            <a:ext cx="12456489" cy="1508105"/>
           </a:xfrm>
           <a:prstGeom prst="rect">
             <a:avLst/>
@@ -1496,7 +1496,7 @@
           <a:p>
             <a:r>
               <a:rPr lang="en-US" sz="3600" dirty="0"/>
-              <a:t>Using Computer Vision and Machine Learning to Detect Damage On Silicon Strip Sensors</a:t>
+              <a:t>Using Computer Vision and Machine Learning to Detect Damage On Silicon Semiconductor Strip Sensors</a:t>
             </a:r>
             <a:br>
               <a:rPr lang="en-US" dirty="0"/>
@@ -1522,7 +1522,7 @@
         <p:spPr>
           <a:xfrm>
             <a:off x="1314200" y="2873274"/>
-            <a:ext cx="7686805" cy="4082400"/>
+            <a:ext cx="7686805" cy="4653069"/>
           </a:xfrm>
           <a:prstGeom prst="rect">
             <a:avLst/>
@@ -1573,7 +1573,7 @@
                 <a:latin typeface="Arial"/>
                 <a:cs typeface="Arial"/>
               </a:rPr>
-              <a:t>The Large Hadron Collider (LHC) in Geneva, Switzerland has many different methods of collecting data, one of which is silicon strip detectors</a:t>
+              <a:t>The ATLAS Detector at the Large Hadron Collider (LHC) in Geneva, Switzerland has many different methods of detecting particles, one of which is the use of silicon strip semiconductor detectors</a:t>
             </a:r>
           </a:p>
           <a:p>
@@ -1595,7 +1595,7 @@
                 <a:latin typeface="Arial"/>
                 <a:cs typeface="Arial"/>
               </a:rPr>
-              <a:t>Silicon strip detectors, among others, can become damaged after having very high energy particles and radiation being emitted through them</a:t>
+              <a:t>These detectors will consist of a 10x10x Silicon semiconductor sensor, attached to readout electronics . Each sensor is made up of  75um wide columns, each acting as readout channel. [1]</a:t>
             </a:r>
           </a:p>
           <a:p>
@@ -1617,7 +1617,7 @@
                 <a:latin typeface="Arial"/>
                 <a:cs typeface="Arial"/>
               </a:rPr>
-              <a:t>Damaged sensors can give false information, so they must be detected easily</a:t>
+              <a:t>On delivery from the vendor, sites must test all sensors for mechanical &amp;  electrical properties  to verify they match strict quality control standards.</a:t>
             </a:r>
           </a:p>
           <a:p>
@@ -1639,7 +1639,7 @@
                 <a:latin typeface="Arial"/>
                 <a:cs typeface="Arial"/>
               </a:rPr>
-              <a:t>With over 17,000 strip sensors alone, manually inspecting the sensors can be challenging [1]</a:t>
+              <a:t>Physically damaged sensors will lead to dead channels, so  any damage must be detected accurately  - and with a total of 17k strip sensors  - as fast as possible</a:t>
             </a:r>
           </a:p>
           <a:p>
@@ -1715,8 +1715,8 @@
         </p:nvSpPr>
         <p:spPr>
           <a:xfrm>
-            <a:off x="1314200" y="14795563"/>
-            <a:ext cx="7643337" cy="3511667"/>
+            <a:off x="9803075" y="2940607"/>
+            <a:ext cx="7643337" cy="8006551"/>
           </a:xfrm>
           <a:prstGeom prst="rect">
             <a:avLst/>
@@ -1761,226 +1761,9 @@
                 <a:latin typeface="Arial"/>
                 <a:cs typeface="Arial"/>
               </a:rPr>
-              <a:t>Set Up</a:t>
-            </a:r>
-          </a:p>
-          <a:p>
-            <a:pPr marL="305385" marR="9818" lvl="0" indent="-285750">
-              <a:lnSpc>
-                <a:spcPct val="102899"/>
-              </a:lnSpc>
-              <a:spcBef>
-                <a:spcPts val="309"/>
-              </a:spcBef>
-              <a:buFont typeface="Arial" panose="020B0604020202020204" pitchFamily="34" charset="0"/>
-              <a:buChar char="•"/>
-            </a:pPr>
-            <a:r>
-              <a:rPr lang="en-US" sz="1800" spc="15" dirty="0">
-                <a:solidFill>
-                  <a:srgbClr val="231F20"/>
-                </a:solidFill>
-                <a:latin typeface="Arial"/>
-                <a:cs typeface="Arial"/>
-              </a:rPr>
-              <a:t>We use a method similar to that described in </a:t>
-            </a:r>
-            <a:r>
-              <a:rPr lang="en-US" sz="1800" spc="15" dirty="0" err="1">
-                <a:solidFill>
-                  <a:srgbClr val="231F20"/>
-                </a:solidFill>
-                <a:latin typeface="Arial"/>
-                <a:cs typeface="Arial"/>
-              </a:rPr>
-              <a:t>Ferri</a:t>
-            </a:r>
-            <a:r>
-              <a:rPr lang="en-US" sz="1800" spc="15" dirty="0">
-                <a:solidFill>
-                  <a:srgbClr val="231F20"/>
-                </a:solidFill>
-                <a:latin typeface="Arial"/>
-                <a:cs typeface="Arial"/>
-              </a:rPr>
-              <a:t> et al. 2019 where two laser pulses of half energy irradiate a target at an angle and compare it to using one pulse at full energy.</a:t>
-            </a:r>
-          </a:p>
-          <a:p>
-            <a:pPr marL="305385" marR="9818" lvl="0" indent="-285750">
-              <a:lnSpc>
-                <a:spcPct val="102899"/>
-              </a:lnSpc>
-              <a:spcBef>
-                <a:spcPts val="309"/>
-              </a:spcBef>
-              <a:buFont typeface="Arial" panose="020B0604020202020204" pitchFamily="34" charset="0"/>
-              <a:buChar char="•"/>
-            </a:pPr>
-            <a:r>
-              <a:rPr lang="en-US" sz="1800" spc="15" dirty="0" err="1">
-                <a:solidFill>
-                  <a:srgbClr val="231F20"/>
-                </a:solidFill>
-                <a:latin typeface="Arial"/>
-                <a:cs typeface="Arial"/>
-              </a:rPr>
-              <a:t>Ferri</a:t>
-            </a:r>
-            <a:r>
-              <a:rPr lang="en-US" sz="1800" spc="15" dirty="0">
-                <a:solidFill>
-                  <a:srgbClr val="231F20"/>
-                </a:solidFill>
-                <a:latin typeface="Arial"/>
-                <a:cs typeface="Arial"/>
-              </a:rPr>
-              <a:t> et al. 2019 found that an angle of incidence of 45˚ to normal yielded the highest energy ions</a:t>
-            </a:r>
-          </a:p>
-          <a:p>
-            <a:pPr marL="305385" marR="9818" lvl="0" indent="-285750">
-              <a:lnSpc>
-                <a:spcPct val="102899"/>
-              </a:lnSpc>
-              <a:spcBef>
-                <a:spcPts val="309"/>
-              </a:spcBef>
-              <a:buFont typeface="Arial" panose="020B0604020202020204" pitchFamily="34" charset="0"/>
-              <a:buChar char="•"/>
-            </a:pPr>
-            <a:r>
-              <a:rPr lang="en-US" sz="1800" spc="15" dirty="0">
-                <a:solidFill>
-                  <a:srgbClr val="231F20"/>
-                </a:solidFill>
-                <a:latin typeface="Arial"/>
-                <a:cs typeface="Arial"/>
-              </a:rPr>
-              <a:t>We used the Large Scale Plasma (LSP) code, whereas </a:t>
-            </a:r>
-            <a:r>
-              <a:rPr lang="en-US" sz="1800" spc="15" dirty="0" err="1">
-                <a:solidFill>
-                  <a:srgbClr val="231F20"/>
-                </a:solidFill>
-                <a:latin typeface="Arial"/>
-                <a:cs typeface="Arial"/>
-              </a:rPr>
-              <a:t>Ferri</a:t>
-            </a:r>
-            <a:r>
-              <a:rPr lang="en-US" sz="1800" spc="15" dirty="0">
-                <a:solidFill>
-                  <a:srgbClr val="231F20"/>
-                </a:solidFill>
-                <a:latin typeface="Arial"/>
-                <a:cs typeface="Arial"/>
-              </a:rPr>
-              <a:t> et al. 2019 used EPOCH</a:t>
-            </a:r>
-          </a:p>
-          <a:p>
-            <a:pPr marL="305385" marR="9818" lvl="0" indent="-285750">
-              <a:lnSpc>
-                <a:spcPct val="102899"/>
-              </a:lnSpc>
-              <a:spcBef>
-                <a:spcPts val="309"/>
-              </a:spcBef>
-              <a:buFont typeface="Arial" panose="020B0604020202020204" pitchFamily="34" charset="0"/>
-              <a:buChar char="•"/>
-            </a:pPr>
-            <a:r>
-              <a:rPr lang="en-US" sz="1800" spc="15" dirty="0">
-                <a:solidFill>
-                  <a:srgbClr val="231F20"/>
-                </a:solidFill>
-                <a:latin typeface="Arial"/>
-                <a:cs typeface="Arial"/>
-              </a:rPr>
-              <a:t>We ran our simulation to 1 </a:t>
-            </a:r>
-            <a:r>
-              <a:rPr lang="en-US" sz="1800" spc="15" dirty="0" err="1">
-                <a:solidFill>
-                  <a:srgbClr val="231F20"/>
-                </a:solidFill>
-                <a:latin typeface="Arial"/>
-                <a:cs typeface="Arial"/>
-              </a:rPr>
-              <a:t>ps</a:t>
-            </a:r>
-            <a:r>
-              <a:rPr lang="en-US" sz="1800" spc="15" dirty="0">
-                <a:solidFill>
-                  <a:srgbClr val="231F20"/>
-                </a:solidFill>
-                <a:latin typeface="Arial"/>
-                <a:cs typeface="Arial"/>
-              </a:rPr>
-              <a:t> with 20 as timesteps on a 14 by 14 </a:t>
-            </a:r>
-            <a:r>
-              <a:rPr lang="el-GR" sz="1800" spc="15" dirty="0">
-                <a:solidFill>
-                  <a:srgbClr val="231F20"/>
-                </a:solidFill>
-                <a:latin typeface="Arial"/>
-                <a:cs typeface="Arial"/>
-              </a:rPr>
-              <a:t>μ</a:t>
-            </a:r>
-            <a:r>
-              <a:rPr lang="en-US" sz="1800" spc="15" dirty="0">
-                <a:solidFill>
-                  <a:srgbClr val="231F20"/>
-                </a:solidFill>
-                <a:latin typeface="Arial"/>
-                <a:cs typeface="Arial"/>
-              </a:rPr>
-              <a:t>m grid and 2800 by 2800 cells</a:t>
-            </a:r>
-          </a:p>
-        </p:txBody>
-      </p:sp>
-      <p:sp>
-        <p:nvSpPr>
-          <p:cNvPr id="39" name="object 39"/>
-          <p:cNvSpPr txBox="1"/>
-          <p:nvPr/>
-        </p:nvSpPr>
-        <p:spPr>
-          <a:xfrm>
-            <a:off x="9696069" y="16799234"/>
-            <a:ext cx="17290583" cy="938719"/>
-          </a:xfrm>
-          <a:prstGeom prst="rect">
-            <a:avLst/>
-          </a:prstGeom>
-        </p:spPr>
-        <p:txBody>
-          <a:bodyPr vert="horz" wrap="square" lIns="0" tIns="0" rIns="0" bIns="0" rtlCol="0">
-            <a:spAutoFit/>
-          </a:bodyPr>
-          <a:lstStyle/>
-          <a:p>
-            <a:pPr marL="19635">
-              <a:spcAft>
-                <a:spcPts val="928"/>
-              </a:spcAft>
-            </a:pPr>
-            <a:r>
-              <a:rPr sz="1800" b="1" dirty="0">
-                <a:solidFill>
-                  <a:srgbClr val="231F20"/>
-                </a:solidFill>
-                <a:latin typeface="Arial"/>
-                <a:cs typeface="Arial"/>
-              </a:rPr>
-              <a:t>BIBLIOGRAPHY</a:t>
-            </a:r>
-            <a:endParaRPr lang="en-US" sz="1800" b="1" dirty="0">
+              <a:t>Splitting Images</a:t>
+            </a:r>
+            <a:endParaRPr lang="en-US" sz="1800" spc="15" dirty="0">
               <a:solidFill>
                 <a:srgbClr val="231F20"/>
               </a:solidFill>
@@ -1989,6 +1772,404 @@
             </a:endParaRPr>
           </a:p>
           <a:p>
+            <a:pPr marL="305385" marR="9818" indent="-285750">
+              <a:lnSpc>
+                <a:spcPct val="102899"/>
+              </a:lnSpc>
+              <a:spcBef>
+                <a:spcPts val="309"/>
+              </a:spcBef>
+              <a:buFont typeface="Arial" panose="020B0604020202020204" pitchFamily="34" charset="0"/>
+              <a:buChar char="•"/>
+            </a:pPr>
+            <a:r>
+              <a:rPr lang="en-US" sz="1800" spc="15" dirty="0">
+                <a:solidFill>
+                  <a:srgbClr val="231F20"/>
+                </a:solidFill>
+                <a:latin typeface="Arial"/>
+                <a:cs typeface="Arial"/>
+              </a:rPr>
+              <a:t>Over 3,000 images available in the dataset and  had a resolution of 1224 × 1024</a:t>
+            </a:r>
+          </a:p>
+          <a:p>
+            <a:pPr marL="305385" marR="9818" indent="-285750">
+              <a:lnSpc>
+                <a:spcPct val="102899"/>
+              </a:lnSpc>
+              <a:spcBef>
+                <a:spcPts val="309"/>
+              </a:spcBef>
+              <a:buFont typeface="Arial" panose="020B0604020202020204" pitchFamily="34" charset="0"/>
+              <a:buChar char="•"/>
+            </a:pPr>
+            <a:r>
+              <a:rPr lang="en-US" sz="1800" spc="15" dirty="0">
+                <a:solidFill>
+                  <a:srgbClr val="231F20"/>
+                </a:solidFill>
+                <a:latin typeface="Arial"/>
+                <a:cs typeface="Arial"/>
+              </a:rPr>
+              <a:t>These were then split into 8x8 pieces, creating 64 smaller images of resolution 153 x 128</a:t>
+            </a:r>
+          </a:p>
+          <a:p>
+            <a:pPr marL="305385" marR="9818" indent="-285750">
+              <a:lnSpc>
+                <a:spcPct val="102899"/>
+              </a:lnSpc>
+              <a:spcBef>
+                <a:spcPts val="309"/>
+              </a:spcBef>
+              <a:buFont typeface="Arial" panose="020B0604020202020204" pitchFamily="34" charset="0"/>
+              <a:buChar char="•"/>
+            </a:pPr>
+            <a:endParaRPr lang="en-US" sz="1800" b="1" spc="15" dirty="0">
+              <a:solidFill>
+                <a:srgbClr val="231F20"/>
+              </a:solidFill>
+              <a:latin typeface="Arial"/>
+              <a:cs typeface="Arial"/>
+            </a:endParaRPr>
+          </a:p>
+          <a:p>
+            <a:pPr marL="305385" marR="9818" indent="-285750">
+              <a:lnSpc>
+                <a:spcPct val="102899"/>
+              </a:lnSpc>
+              <a:spcBef>
+                <a:spcPts val="309"/>
+              </a:spcBef>
+              <a:buFont typeface="Arial" panose="020B0604020202020204" pitchFamily="34" charset="0"/>
+              <a:buChar char="•"/>
+            </a:pPr>
+            <a:endParaRPr lang="en-US" sz="1800" b="1" spc="15" dirty="0">
+              <a:solidFill>
+                <a:srgbClr val="231F20"/>
+              </a:solidFill>
+              <a:latin typeface="Arial"/>
+              <a:cs typeface="Arial"/>
+            </a:endParaRPr>
+          </a:p>
+          <a:p>
+            <a:pPr marL="305385" marR="9818" indent="-285750">
+              <a:lnSpc>
+                <a:spcPct val="102899"/>
+              </a:lnSpc>
+              <a:spcBef>
+                <a:spcPts val="309"/>
+              </a:spcBef>
+              <a:buFont typeface="Arial" panose="020B0604020202020204" pitchFamily="34" charset="0"/>
+              <a:buChar char="•"/>
+            </a:pPr>
+            <a:endParaRPr lang="en-US" sz="1800" b="1" spc="15" dirty="0">
+              <a:solidFill>
+                <a:srgbClr val="231F20"/>
+              </a:solidFill>
+              <a:latin typeface="Arial"/>
+              <a:cs typeface="Arial"/>
+            </a:endParaRPr>
+          </a:p>
+          <a:p>
+            <a:pPr marL="305385" marR="9818" indent="-285750">
+              <a:lnSpc>
+                <a:spcPct val="102899"/>
+              </a:lnSpc>
+              <a:spcBef>
+                <a:spcPts val="309"/>
+              </a:spcBef>
+              <a:buFont typeface="Arial" panose="020B0604020202020204" pitchFamily="34" charset="0"/>
+              <a:buChar char="•"/>
+            </a:pPr>
+            <a:endParaRPr lang="en-US" sz="1800" b="1" spc="15" dirty="0">
+              <a:solidFill>
+                <a:srgbClr val="231F20"/>
+              </a:solidFill>
+              <a:latin typeface="Arial"/>
+              <a:cs typeface="Arial"/>
+            </a:endParaRPr>
+          </a:p>
+          <a:p>
+            <a:pPr marL="305385" marR="9818" indent="-285750">
+              <a:lnSpc>
+                <a:spcPct val="102899"/>
+              </a:lnSpc>
+              <a:spcBef>
+                <a:spcPts val="309"/>
+              </a:spcBef>
+              <a:buFont typeface="Arial" panose="020B0604020202020204" pitchFamily="34" charset="0"/>
+              <a:buChar char="•"/>
+            </a:pPr>
+            <a:endParaRPr lang="en-US" sz="1800" b="1" spc="15" dirty="0">
+              <a:solidFill>
+                <a:srgbClr val="231F20"/>
+              </a:solidFill>
+              <a:latin typeface="Arial"/>
+              <a:cs typeface="Arial"/>
+            </a:endParaRPr>
+          </a:p>
+          <a:p>
+            <a:pPr marL="305385" marR="9818" indent="-285750">
+              <a:lnSpc>
+                <a:spcPct val="102899"/>
+              </a:lnSpc>
+              <a:spcBef>
+                <a:spcPts val="309"/>
+              </a:spcBef>
+              <a:buFont typeface="Arial" panose="020B0604020202020204" pitchFamily="34" charset="0"/>
+              <a:buChar char="•"/>
+            </a:pPr>
+            <a:endParaRPr lang="en-US" sz="1800" b="1" spc="15" dirty="0">
+              <a:solidFill>
+                <a:srgbClr val="231F20"/>
+              </a:solidFill>
+              <a:latin typeface="Arial"/>
+              <a:cs typeface="Arial"/>
+            </a:endParaRPr>
+          </a:p>
+          <a:p>
+            <a:pPr marL="305385" marR="9818" indent="-285750">
+              <a:lnSpc>
+                <a:spcPct val="102899"/>
+              </a:lnSpc>
+              <a:spcBef>
+                <a:spcPts val="309"/>
+              </a:spcBef>
+              <a:buFont typeface="Arial" panose="020B0604020202020204" pitchFamily="34" charset="0"/>
+              <a:buChar char="•"/>
+            </a:pPr>
+            <a:endParaRPr lang="en-US" sz="1800" b="1" spc="15" dirty="0">
+              <a:solidFill>
+                <a:srgbClr val="231F20"/>
+              </a:solidFill>
+              <a:latin typeface="Arial"/>
+              <a:cs typeface="Arial"/>
+            </a:endParaRPr>
+          </a:p>
+          <a:p>
+            <a:pPr marL="305385" marR="9818" indent="-285750">
+              <a:lnSpc>
+                <a:spcPct val="102899"/>
+              </a:lnSpc>
+              <a:spcBef>
+                <a:spcPts val="309"/>
+              </a:spcBef>
+              <a:buFont typeface="Arial" panose="020B0604020202020204" pitchFamily="34" charset="0"/>
+              <a:buChar char="•"/>
+            </a:pPr>
+            <a:endParaRPr lang="en-US" sz="1800" b="1" spc="15" dirty="0">
+              <a:solidFill>
+                <a:srgbClr val="231F20"/>
+              </a:solidFill>
+              <a:latin typeface="Arial"/>
+              <a:cs typeface="Arial"/>
+            </a:endParaRPr>
+          </a:p>
+          <a:p>
+            <a:pPr marL="305385" marR="9818" indent="-285750">
+              <a:lnSpc>
+                <a:spcPct val="102899"/>
+              </a:lnSpc>
+              <a:spcBef>
+                <a:spcPts val="309"/>
+              </a:spcBef>
+              <a:buFont typeface="Arial" panose="020B0604020202020204" pitchFamily="34" charset="0"/>
+              <a:buChar char="•"/>
+            </a:pPr>
+            <a:endParaRPr lang="en-US" sz="1800" b="1" spc="15" dirty="0">
+              <a:solidFill>
+                <a:srgbClr val="231F20"/>
+              </a:solidFill>
+              <a:latin typeface="Arial"/>
+              <a:cs typeface="Arial"/>
+            </a:endParaRPr>
+          </a:p>
+          <a:p>
+            <a:pPr marL="305385" marR="9818" indent="-285750">
+              <a:lnSpc>
+                <a:spcPct val="102899"/>
+              </a:lnSpc>
+              <a:spcBef>
+                <a:spcPts val="309"/>
+              </a:spcBef>
+              <a:buFont typeface="Arial" panose="020B0604020202020204" pitchFamily="34" charset="0"/>
+              <a:buChar char="•"/>
+            </a:pPr>
+            <a:endParaRPr lang="en-US" sz="1800" b="1" spc="15" dirty="0">
+              <a:solidFill>
+                <a:srgbClr val="231F20"/>
+              </a:solidFill>
+              <a:latin typeface="Arial"/>
+              <a:cs typeface="Arial"/>
+            </a:endParaRPr>
+          </a:p>
+          <a:p>
+            <a:pPr marL="19635" marR="9818">
+              <a:lnSpc>
+                <a:spcPct val="102899"/>
+              </a:lnSpc>
+              <a:spcBef>
+                <a:spcPts val="309"/>
+              </a:spcBef>
+            </a:pPr>
+            <a:endParaRPr lang="en-US" sz="1800" b="1" spc="15" dirty="0">
+              <a:solidFill>
+                <a:srgbClr val="231F20"/>
+              </a:solidFill>
+              <a:latin typeface="Arial"/>
+              <a:cs typeface="Arial"/>
+            </a:endParaRPr>
+          </a:p>
+          <a:p>
+            <a:pPr marL="19635" marR="9818" lvl="0">
+              <a:lnSpc>
+                <a:spcPct val="102899"/>
+              </a:lnSpc>
+              <a:spcBef>
+                <a:spcPts val="309"/>
+              </a:spcBef>
+            </a:pPr>
+            <a:r>
+              <a:rPr lang="en-US" sz="1800" b="1" spc="15" dirty="0">
+                <a:solidFill>
+                  <a:srgbClr val="231F20"/>
+                </a:solidFill>
+                <a:latin typeface="Arial"/>
+                <a:cs typeface="Arial"/>
+              </a:rPr>
+              <a:t>Adding “Damage” to Sensors</a:t>
+            </a:r>
+          </a:p>
+          <a:p>
+            <a:pPr marL="305385" marR="9818" indent="-285750">
+              <a:lnSpc>
+                <a:spcPct val="102899"/>
+              </a:lnSpc>
+              <a:spcBef>
+                <a:spcPts val="309"/>
+              </a:spcBef>
+              <a:buFont typeface="Arial" panose="020B0604020202020204" pitchFamily="34" charset="0"/>
+              <a:buChar char="•"/>
+            </a:pPr>
+            <a:r>
+              <a:rPr lang="en-US" sz="1800" spc="15" dirty="0">
+                <a:solidFill>
+                  <a:srgbClr val="231F20"/>
+                </a:solidFill>
+                <a:latin typeface="Arial"/>
+                <a:cs typeface="Arial"/>
+              </a:rPr>
+              <a:t>Damaged sensors from the vendor are rather rare, so the dataset did not have any damaged sensor images</a:t>
+            </a:r>
+          </a:p>
+          <a:p>
+            <a:pPr marL="305385" marR="9818" indent="-285750">
+              <a:lnSpc>
+                <a:spcPct val="102899"/>
+              </a:lnSpc>
+              <a:spcBef>
+                <a:spcPts val="309"/>
+              </a:spcBef>
+              <a:buFont typeface="Arial" panose="020B0604020202020204" pitchFamily="34" charset="0"/>
+              <a:buChar char="•"/>
+            </a:pPr>
+            <a:r>
+              <a:rPr lang="en-US" sz="1800" spc="15" dirty="0">
+                <a:solidFill>
+                  <a:srgbClr val="231F20"/>
+                </a:solidFill>
+                <a:latin typeface="Arial"/>
+                <a:cs typeface="Arial"/>
+              </a:rPr>
+              <a:t>Artificial damage had to be added in the form of lines drawn over the images. These lines spanned across two random points in the images. The introduced damage was of the scale of commonly found issues (</a:t>
+            </a:r>
+            <a:r>
+              <a:rPr lang="en-US" sz="1800" spc="15" dirty="0" err="1">
+                <a:solidFill>
+                  <a:srgbClr val="231F20"/>
+                </a:solidFill>
+                <a:latin typeface="Arial"/>
+                <a:cs typeface="Arial"/>
+              </a:rPr>
+              <a:t>eg.</a:t>
+            </a:r>
+            <a:r>
+              <a:rPr lang="en-US" sz="1800" spc="15" dirty="0">
+                <a:solidFill>
+                  <a:srgbClr val="231F20"/>
+                </a:solidFill>
+                <a:latin typeface="Arial"/>
+                <a:cs typeface="Arial"/>
+              </a:rPr>
+              <a:t> tweezer marks)</a:t>
+            </a:r>
+            <a:endParaRPr lang="en-US" sz="1800" b="1" spc="15" dirty="0">
+              <a:solidFill>
+                <a:srgbClr val="231F20"/>
+              </a:solidFill>
+              <a:latin typeface="Arial"/>
+              <a:cs typeface="Arial"/>
+            </a:endParaRPr>
+          </a:p>
+          <a:p>
+            <a:pPr marL="19635" marR="9818" lvl="0">
+              <a:lnSpc>
+                <a:spcPct val="102899"/>
+              </a:lnSpc>
+              <a:spcBef>
+                <a:spcPts val="309"/>
+              </a:spcBef>
+            </a:pPr>
+            <a:endParaRPr lang="en-US" sz="1800" b="1" spc="15" dirty="0">
+              <a:solidFill>
+                <a:srgbClr val="231F20"/>
+              </a:solidFill>
+              <a:latin typeface="Arial"/>
+              <a:cs typeface="Arial"/>
+            </a:endParaRPr>
+          </a:p>
+        </p:txBody>
+      </p:sp>
+      <p:sp>
+        <p:nvSpPr>
+          <p:cNvPr id="39" name="object 39"/>
+          <p:cNvSpPr txBox="1"/>
+          <p:nvPr/>
+        </p:nvSpPr>
+        <p:spPr>
+          <a:xfrm>
+            <a:off x="18202548" y="15311302"/>
+            <a:ext cx="8433256" cy="1600438"/>
+          </a:xfrm>
+          <a:prstGeom prst="rect">
+            <a:avLst/>
+          </a:prstGeom>
+        </p:spPr>
+        <p:txBody>
+          <a:bodyPr vert="horz" wrap="square" lIns="0" tIns="0" rIns="0" bIns="0" rtlCol="0">
+            <a:spAutoFit/>
+          </a:bodyPr>
+          <a:lstStyle/>
+          <a:p>
+            <a:pPr marL="19635">
+              <a:spcAft>
+                <a:spcPts val="928"/>
+              </a:spcAft>
+            </a:pPr>
+            <a:r>
+              <a:rPr lang="en-US" sz="1800" b="1" dirty="0">
+                <a:solidFill>
+                  <a:srgbClr val="231F20"/>
+                </a:solidFill>
+                <a:latin typeface="Arial"/>
+                <a:cs typeface="Arial"/>
+              </a:rPr>
+              <a:t>References</a:t>
+            </a:r>
+          </a:p>
+          <a:p>
             <a:pPr marL="476835" indent="-457200">
               <a:spcAft>
                 <a:spcPts val="928"/>
@@ -2005,6 +2186,84 @@
                 <a:cs typeface="Arial"/>
               </a:rPr>
               <a:t>Cite{Ahmad_etal_2007}</a:t>
+            </a:r>
+          </a:p>
+          <a:p>
+            <a:pPr marL="476835" indent="-457200">
+              <a:spcAft>
+                <a:spcPts val="928"/>
+              </a:spcAft>
+              <a:buFont typeface="+mj-lt"/>
+              <a:buAutoNum type="arabicPeriod"/>
+            </a:pPr>
+            <a:r>
+              <a:rPr lang="en-US" sz="1400" dirty="0">
+                <a:solidFill>
+                  <a:srgbClr val="231F20"/>
+                </a:solidFill>
+                <a:latin typeface="Arial"/>
+                <a:cs typeface="Arial"/>
+              </a:rPr>
+              <a:t>Cite{https://</a:t>
+            </a:r>
+            <a:r>
+              <a:rPr lang="en-US" sz="1400" dirty="0" err="1">
+                <a:solidFill>
+                  <a:srgbClr val="231F20"/>
+                </a:solidFill>
+                <a:latin typeface="Arial"/>
+                <a:cs typeface="Arial"/>
+              </a:rPr>
+              <a:t>images.app.goo.gl</a:t>
+            </a:r>
+            <a:r>
+              <a:rPr lang="en-US" sz="1400" dirty="0">
+                <a:solidFill>
+                  <a:srgbClr val="231F20"/>
+                </a:solidFill>
+                <a:latin typeface="Arial"/>
+                <a:cs typeface="Arial"/>
+              </a:rPr>
+              <a:t>/kWH4r6aXkHwkzH4YA}</a:t>
+            </a:r>
+          </a:p>
+          <a:p>
+            <a:pPr marL="476835" indent="-457200">
+              <a:spcAft>
+                <a:spcPts val="928"/>
+              </a:spcAft>
+              <a:buFont typeface="+mj-lt"/>
+              <a:buAutoNum type="arabicPeriod"/>
+            </a:pPr>
+            <a:r>
+              <a:rPr lang="en-US" sz="1400" dirty="0">
+                <a:solidFill>
+                  <a:srgbClr val="231F20"/>
+                </a:solidFill>
+                <a:latin typeface="Arial"/>
+                <a:cs typeface="Arial"/>
+              </a:rPr>
+              <a:t>Cite{https://</a:t>
+            </a:r>
+            <a:r>
+              <a:rPr lang="en-US" sz="1400" dirty="0" err="1">
+                <a:solidFill>
+                  <a:srgbClr val="231F20"/>
+                </a:solidFill>
+                <a:latin typeface="Arial"/>
+                <a:cs typeface="Arial"/>
+              </a:rPr>
+              <a:t>images.app.goo.gl</a:t>
+            </a:r>
+            <a:r>
+              <a:rPr lang="en-US" sz="1400" dirty="0">
+                <a:solidFill>
+                  <a:srgbClr val="231F20"/>
+                </a:solidFill>
+                <a:latin typeface="Arial"/>
+                <a:cs typeface="Arial"/>
+              </a:rPr>
+              <a:t>/MoRAadKM1QW7stib9}</a:t>
             </a:r>
           </a:p>
           <a:p>
@@ -2151,98 +2410,6 @@
       </p:sp>
       <p:sp>
         <p:nvSpPr>
-          <p:cNvPr id="51" name="object 3">
-            <a:extLst>
-              <a:ext uri="{FF2B5EF4-FFF2-40B4-BE49-F238E27FC236}">
-                <a16:creationId xmlns:a16="http://schemas.microsoft.com/office/drawing/2014/main" id="{F1BA82EC-94CC-8445-B2B7-A5D05461F318}"/>
-              </a:ext>
-            </a:extLst>
-          </p:cNvPr>
-          <p:cNvSpPr txBox="1"/>
-          <p:nvPr/>
-        </p:nvSpPr>
-        <p:spPr>
-          <a:xfrm>
-            <a:off x="1307761" y="11358496"/>
-            <a:ext cx="3125005" cy="3196837"/>
-          </a:xfrm>
-          <a:prstGeom prst="rect">
-            <a:avLst/>
-          </a:prstGeom>
-        </p:spPr>
-        <p:txBody>
-          <a:bodyPr vert="horz" wrap="square" lIns="0" tIns="0" rIns="0" bIns="0" rtlCol="0">
-            <a:spAutoFit/>
-          </a:bodyPr>
-          <a:lstStyle/>
-          <a:p>
-            <a:pPr marL="19635" marR="9818">
-              <a:lnSpc>
-                <a:spcPct val="102899"/>
-              </a:lnSpc>
-              <a:spcBef>
-                <a:spcPts val="309"/>
-              </a:spcBef>
-            </a:pPr>
-            <a:r>
-              <a:rPr lang="en-US" sz="1800" b="1" spc="15" dirty="0">
-                <a:solidFill>
-                  <a:srgbClr val="231F20"/>
-                </a:solidFill>
-                <a:latin typeface="Arial" panose="020B0604020202020204" pitchFamily="34" charset="0"/>
-                <a:cs typeface="Arial" panose="020B0604020202020204" pitchFamily="34" charset="0"/>
-              </a:rPr>
-              <a:t>Target Normal Sheath Acceleration (TNSA)</a:t>
-            </a:r>
-          </a:p>
-          <a:p>
-            <a:pPr marL="305385" marR="9818" indent="-285750">
-              <a:lnSpc>
-                <a:spcPct val="102899"/>
-              </a:lnSpc>
-              <a:spcBef>
-                <a:spcPts val="309"/>
-              </a:spcBef>
-              <a:buFont typeface="Arial" panose="020B0604020202020204" pitchFamily="34" charset="0"/>
-              <a:buChar char="•"/>
-            </a:pPr>
-            <a:r>
-              <a:rPr lang="en-US" sz="1800" spc="15" dirty="0">
-                <a:solidFill>
-                  <a:srgbClr val="231F20"/>
-                </a:solidFill>
-                <a:latin typeface="Arial"/>
-                <a:cs typeface="Arial"/>
-              </a:rPr>
-              <a:t>This is the method by which lasers are able to accelerate ions.</a:t>
-            </a:r>
-          </a:p>
-          <a:p>
-            <a:pPr marL="305385" marR="9818" indent="-285750">
-              <a:lnSpc>
-                <a:spcPct val="102899"/>
-              </a:lnSpc>
-              <a:spcBef>
-                <a:spcPts val="309"/>
-              </a:spcBef>
-              <a:buFont typeface="Arial" panose="020B0604020202020204" pitchFamily="34" charset="0"/>
-              <a:buChar char="•"/>
-            </a:pPr>
-            <a:r>
-              <a:rPr lang="en-US" sz="1800" spc="15" dirty="0">
-                <a:solidFill>
-                  <a:srgbClr val="231F20"/>
-                </a:solidFill>
-                <a:latin typeface="Arial"/>
-                <a:cs typeface="Arial"/>
-              </a:rPr>
-              <a:t>Laser light interacts with electrons which absorbs some energy. These electrons then transfer some energy to heavier ions</a:t>
-            </a:r>
-          </a:p>
-        </p:txBody>
-      </p:sp>
-      <p:sp>
-        <p:nvSpPr>
           <p:cNvPr id="55" name="object 24">
             <a:extLst>
               <a:ext uri="{FF2B5EF4-FFF2-40B4-BE49-F238E27FC236}">
@@ -2255,8 +2422,8 @@
         </p:nvSpPr>
         <p:spPr>
           <a:xfrm>
-            <a:off x="18226425" y="2927547"/>
-            <a:ext cx="7643337" cy="2801344"/>
+            <a:off x="18168861" y="8539837"/>
+            <a:ext cx="7643337" cy="2848921"/>
           </a:xfrm>
           <a:prstGeom prst="rect">
             <a:avLst/>
@@ -2285,7 +2452,7 @@
             </a:r>
           </a:p>
           <a:p>
-            <a:pPr marL="305385" marR="9818" lvl="0" indent="-285750">
+            <a:pPr marL="305385" marR="9818" indent="-285750">
               <a:lnSpc>
                 <a:spcPct val="102899"/>
               </a:lnSpc>
@@ -2303,11 +2470,11 @@
                 <a:latin typeface="Arial"/>
                 <a:cs typeface="Arial"/>
               </a:rPr>
-              <a:t>We see an increase of 1.35x increase in the peak proton energies. This dramatic increase in energy is seen not only in the most energetic protons, but throughout the entire spectra.</a:t>
-            </a:r>
-          </a:p>
-          <a:p>
-            <a:pPr marL="305385" marR="9818" lvl="0" indent="-285750">
+              <a:t>The accuracy being over 99% is rather promising.</a:t>
+            </a:r>
+          </a:p>
+          <a:p>
+            <a:pPr marL="305385" marR="9818" indent="-285750">
               <a:lnSpc>
                 <a:spcPct val="102899"/>
               </a:lnSpc>
@@ -2325,11 +2492,33 @@
                 <a:latin typeface="Arial"/>
                 <a:cs typeface="Arial"/>
               </a:rPr>
-              <a:t>We see a faster increase in peak ion energy along with greater peak ion energy</a:t>
+              <a:t>The Network seems to have confusion with images where the “Damage” lines are parallel to the sensor strips – this is difficult for a human to see too!</a:t>
             </a:r>
           </a:p>
           <a:p>
             <a:pPr marL="305385" marR="9818" indent="-285750">
+              <a:lnSpc>
+                <a:spcPct val="102899"/>
+              </a:lnSpc>
+              <a:spcBef>
+                <a:spcPts val="309"/>
+              </a:spcBef>
+              <a:buFont typeface="Arial" panose="020B0604020202020204" pitchFamily="34" charset="0"/>
+              <a:buChar char="•"/>
+            </a:pPr>
+            <a:r>
+              <a:rPr lang="en-US" sz="1800" spc="15" dirty="0">
+                <a:solidFill>
+                  <a:srgbClr val="231F20"/>
+                </a:solidFill>
+                <a:latin typeface="Arial"/>
+                <a:cs typeface="Arial"/>
+              </a:rPr>
+              <a:t>The Network was trained with 384,384 input images, so it may be over fitted, but it is still able to analyze images it has not seen before.</a:t>
+            </a:r>
+          </a:p>
+          <a:p>
+            <a:pPr marL="305385" marR="9818" lvl="0" indent="-285750">
               <a:lnSpc>
                 <a:spcPct val="102899"/>
               </a:lnSpc>
@@ -2358,242 +2547,10 @@
               <a:buFont typeface="Arial" panose="020B0604020202020204" pitchFamily="34" charset="0"/>
               <a:buChar char="•"/>
             </a:pPr>
-            <a:endParaRPr lang="en-US" sz="1500" spc="15" dirty="0">
-              <a:solidFill>
-                <a:srgbClr val="231F20"/>
-              </a:solidFill>
-              <a:latin typeface="Arial"/>
-              <a:cs typeface="Arial"/>
-            </a:endParaRPr>
-          </a:p>
-          <a:p>
-            <a:pPr marL="305385" marR="9818" lvl="0" indent="-285750">
-              <a:lnSpc>
-                <a:spcPct val="102899"/>
-              </a:lnSpc>
-              <a:spcBef>
-                <a:spcPts val="309"/>
-              </a:spcBef>
-              <a:buFont typeface="Arial" panose="020B0604020202020204" pitchFamily="34" charset="0"/>
-              <a:buChar char="•"/>
-            </a:pPr>
             <a:endParaRPr lang="en-US" sz="1500" dirty="0">
               <a:latin typeface="Arial"/>
               <a:cs typeface="Arial"/>
             </a:endParaRPr>
-          </a:p>
-        </p:txBody>
-      </p:sp>
-      <p:sp>
-        <p:nvSpPr>
-          <p:cNvPr id="67" name="object 24">
-            <a:extLst>
-              <a:ext uri="{FF2B5EF4-FFF2-40B4-BE49-F238E27FC236}">
-                <a16:creationId xmlns:a16="http://schemas.microsoft.com/office/drawing/2014/main" id="{1F8CBBC3-BB46-5341-817F-86D397443AF1}"/>
-              </a:ext>
-            </a:extLst>
-          </p:cNvPr>
-          <p:cNvSpPr txBox="1"/>
-          <p:nvPr/>
-        </p:nvSpPr>
-        <p:spPr>
-          <a:xfrm>
-            <a:off x="18045920" y="11403354"/>
-            <a:ext cx="3154268" cy="3273781"/>
-          </a:xfrm>
-          <a:prstGeom prst="rect">
-            <a:avLst/>
-          </a:prstGeom>
-        </p:spPr>
-        <p:txBody>
-          <a:bodyPr vert="horz" wrap="square" lIns="0" tIns="0" rIns="0" bIns="0" rtlCol="0">
-            <a:spAutoFit/>
-          </a:bodyPr>
-          <a:lstStyle/>
-          <a:p>
-            <a:pPr marL="19635" marR="9818" lvl="0">
-              <a:lnSpc>
-                <a:spcPct val="102899"/>
-              </a:lnSpc>
-              <a:spcBef>
-                <a:spcPts val="309"/>
-              </a:spcBef>
-            </a:pPr>
-            <a:r>
-              <a:rPr lang="en-US" sz="1800" b="1" spc="15" dirty="0">
-                <a:solidFill>
-                  <a:srgbClr val="231F20"/>
-                </a:solidFill>
-                <a:latin typeface="Arial"/>
-                <a:cs typeface="Arial"/>
-              </a:rPr>
-              <a:t>Why does this happen?</a:t>
-            </a:r>
-          </a:p>
-          <a:p>
-            <a:pPr marL="305385" marR="9818" lvl="0" indent="-285750">
-              <a:lnSpc>
-                <a:spcPct val="102899"/>
-              </a:lnSpc>
-              <a:spcBef>
-                <a:spcPts val="309"/>
-              </a:spcBef>
-              <a:buFont typeface="Arial" panose="020B0604020202020204" pitchFamily="34" charset="0"/>
-              <a:buChar char="•"/>
-            </a:pPr>
-            <a:r>
-              <a:rPr lang="en-US" sz="1800" spc="15" dirty="0">
-                <a:solidFill>
-                  <a:srgbClr val="231F20"/>
-                </a:solidFill>
-                <a:latin typeface="Arial"/>
-                <a:cs typeface="Arial"/>
-              </a:rPr>
-              <a:t>More of the laser pulse is absorbed</a:t>
-            </a:r>
-          </a:p>
-          <a:p>
-            <a:pPr marL="305385" marR="9818" lvl="0" indent="-285750">
-              <a:lnSpc>
-                <a:spcPct val="102899"/>
-              </a:lnSpc>
-              <a:spcBef>
-                <a:spcPts val="309"/>
-              </a:spcBef>
-              <a:buFont typeface="Arial" panose="020B0604020202020204" pitchFamily="34" charset="0"/>
-              <a:buChar char="•"/>
-            </a:pPr>
-            <a:r>
-              <a:rPr lang="en-US" sz="1800" spc="15" dirty="0">
-                <a:solidFill>
-                  <a:srgbClr val="231F20"/>
-                </a:solidFill>
-                <a:latin typeface="Arial"/>
-                <a:cs typeface="Arial"/>
-              </a:rPr>
-              <a:t>More laser energy is transferred to electron energy</a:t>
-            </a:r>
-          </a:p>
-          <a:p>
-            <a:pPr marL="305385" marR="9818" lvl="0" indent="-285750">
-              <a:lnSpc>
-                <a:spcPct val="102899"/>
-              </a:lnSpc>
-              <a:spcBef>
-                <a:spcPts val="309"/>
-              </a:spcBef>
-              <a:buFont typeface="Arial" panose="020B0604020202020204" pitchFamily="34" charset="0"/>
-              <a:buChar char="•"/>
-            </a:pPr>
-            <a:r>
-              <a:rPr lang="en-US" sz="1800" spc="15" dirty="0">
-                <a:solidFill>
-                  <a:srgbClr val="231F20"/>
-                </a:solidFill>
-                <a:latin typeface="Arial"/>
-                <a:cs typeface="Arial"/>
-              </a:rPr>
-              <a:t>More electron energy converted to proton energy</a:t>
-            </a:r>
-          </a:p>
-          <a:p>
-            <a:pPr marL="305385" marR="9818" lvl="0" indent="-285750">
-              <a:lnSpc>
-                <a:spcPct val="102899"/>
-              </a:lnSpc>
-              <a:spcBef>
-                <a:spcPts val="309"/>
-              </a:spcBef>
-              <a:buFont typeface="Arial" panose="020B0604020202020204" pitchFamily="34" charset="0"/>
-              <a:buChar char="•"/>
-            </a:pPr>
-            <a:r>
-              <a:rPr lang="en-US" sz="1800" spc="15" dirty="0">
-                <a:solidFill>
-                  <a:srgbClr val="231F20"/>
-                </a:solidFill>
-                <a:latin typeface="Arial"/>
-                <a:cs typeface="Arial"/>
-              </a:rPr>
-              <a:t>Still figuring out why, we suspect something to do with B fields</a:t>
-            </a:r>
-            <a:endParaRPr lang="en-US" sz="1500" spc="15" dirty="0">
-              <a:solidFill>
-                <a:srgbClr val="231F20"/>
-              </a:solidFill>
-              <a:latin typeface="Arial"/>
-              <a:cs typeface="Arial"/>
-            </a:endParaRPr>
-          </a:p>
-        </p:txBody>
-      </p:sp>
-      <p:sp>
-        <p:nvSpPr>
-          <p:cNvPr id="68" name="TextBox 67">
-            <a:extLst>
-              <a:ext uri="{FF2B5EF4-FFF2-40B4-BE49-F238E27FC236}">
-                <a16:creationId xmlns:a16="http://schemas.microsoft.com/office/drawing/2014/main" id="{D73825E8-D130-CF4F-BC61-6EE9AB2B1792}"/>
-              </a:ext>
-            </a:extLst>
-          </p:cNvPr>
-          <p:cNvSpPr txBox="1"/>
-          <p:nvPr/>
-        </p:nvSpPr>
-        <p:spPr>
-          <a:xfrm>
-            <a:off x="10863600" y="9176839"/>
-            <a:ext cx="923651" cy="276999"/>
-          </a:xfrm>
-          <a:prstGeom prst="rect">
-            <a:avLst/>
-          </a:prstGeom>
-          <a:noFill/>
-        </p:spPr>
-        <p:txBody>
-          <a:bodyPr wrap="none" rtlCol="0">
-            <a:spAutoFit/>
-          </a:bodyPr>
-          <a:lstStyle/>
-          <a:p>
-            <a:r>
-              <a:rPr lang="en-US" sz="1200" dirty="0"/>
-              <a:t>Single Pulse</a:t>
-            </a:r>
-          </a:p>
-        </p:txBody>
-      </p:sp>
-      <p:sp>
-        <p:nvSpPr>
-          <p:cNvPr id="69" name="TextBox 68">
-            <a:extLst>
-              <a:ext uri="{FF2B5EF4-FFF2-40B4-BE49-F238E27FC236}">
-                <a16:creationId xmlns:a16="http://schemas.microsoft.com/office/drawing/2014/main" id="{0F279F83-6541-3548-B36E-C15A7E99ABF3}"/>
-              </a:ext>
-            </a:extLst>
-          </p:cNvPr>
-          <p:cNvSpPr txBox="1"/>
-          <p:nvPr/>
-        </p:nvSpPr>
-        <p:spPr>
-          <a:xfrm>
-            <a:off x="14642726" y="9193482"/>
-            <a:ext cx="1002197" cy="276999"/>
-          </a:xfrm>
-          <a:prstGeom prst="rect">
-            <a:avLst/>
-          </a:prstGeom>
-          <a:noFill/>
-        </p:spPr>
-        <p:txBody>
-          <a:bodyPr wrap="none" rtlCol="0">
-            <a:spAutoFit/>
-          </a:bodyPr>
-          <a:lstStyle/>
-          <a:p>
-            <a:r>
-              <a:rPr lang="en-US" sz="1200" dirty="0"/>
-              <a:t>Double Pulse</a:t>
-            </a:r>
           </a:p>
         </p:txBody>
       </p:sp>
@@ -2611,8 +2568,8 @@
         </p:nvSpPr>
         <p:spPr>
           <a:xfrm>
-            <a:off x="1324561" y="7125649"/>
-            <a:ext cx="3549134" cy="2766142"/>
+            <a:off x="1096899" y="11287096"/>
+            <a:ext cx="7761197" cy="3927807"/>
           </a:xfrm>
           <a:prstGeom prst="rect">
             <a:avLst/>
@@ -2639,21 +2596,7 @@
               </a:rPr>
               <a:t>Background</a:t>
             </a:r>
-            <a:endParaRPr lang="en-US" sz="2400" dirty="0">
-              <a:latin typeface="Arial" panose="020B0604020202020204" pitchFamily="34" charset="0"/>
-              <a:cs typeface="Arial" panose="020B0604020202020204" pitchFamily="34" charset="0"/>
-            </a:endParaRPr>
-          </a:p>
-          <a:p>
-            <a:pPr marL="19635" marR="9818">
-              <a:lnSpc>
-                <a:spcPct val="102899"/>
-              </a:lnSpc>
-              <a:spcBef>
-                <a:spcPts val="309"/>
-              </a:spcBef>
-            </a:pPr>
-            <a:endParaRPr lang="en-US" sz="2400" b="1" spc="15" dirty="0">
+            <a:endParaRPr lang="en-US" sz="1800" b="1" spc="15" dirty="0">
               <a:solidFill>
                 <a:srgbClr val="231F20"/>
               </a:solidFill>
@@ -2678,7 +2621,7 @@
                 <a:latin typeface="Arial" panose="020B0604020202020204" pitchFamily="34" charset="0"/>
                 <a:cs typeface="Arial" panose="020B0604020202020204" pitchFamily="34" charset="0"/>
               </a:rPr>
-              <a:t>The Particle-In-Cell Technique (PIC)</a:t>
+              <a:t>Convolutional Neural Networks (CNN’s)</a:t>
             </a:r>
           </a:p>
           <a:p>
@@ -2700,17 +2643,105 @@
                 <a:latin typeface="Arial"/>
                 <a:cs typeface="Arial"/>
               </a:rPr>
-              <a:t>Fields are solved on a discretized grid, Maxwell’s equations are solved by a set of difference equations.</a:t>
-            </a:r>
-          </a:p>
-        </p:txBody>
-      </p:sp>
-      <p:sp>
-        <p:nvSpPr>
-          <p:cNvPr id="28" name="Rectangle 27">
+              <a:t>Images behave as matrices</a:t>
+            </a:r>
+          </a:p>
+          <a:p>
+            <a:pPr marL="305385" marR="9818" indent="-285750">
+              <a:lnSpc>
+                <a:spcPct val="102899"/>
+              </a:lnSpc>
+              <a:spcBef>
+                <a:spcPts val="309"/>
+              </a:spcBef>
+              <a:buFont typeface="Arial" panose="020B0604020202020204" pitchFamily="34" charset="0"/>
+              <a:buChar char="•"/>
+            </a:pPr>
+            <a:r>
+              <a:rPr lang="en-US" sz="1800" spc="15" dirty="0">
+                <a:solidFill>
+                  <a:srgbClr val="231F20"/>
+                </a:solidFill>
+                <a:latin typeface="Arial"/>
+                <a:cs typeface="Arial"/>
+              </a:rPr>
+              <a:t>Various layers of the neural network take an input from a matrix and output another matrix. These are called hidden layers.</a:t>
+            </a:r>
+          </a:p>
+          <a:p>
+            <a:pPr marL="305385" marR="9818" indent="-285750">
+              <a:lnSpc>
+                <a:spcPct val="102899"/>
+              </a:lnSpc>
+              <a:spcBef>
+                <a:spcPts val="309"/>
+              </a:spcBef>
+              <a:buFont typeface="Arial" panose="020B0604020202020204" pitchFamily="34" charset="0"/>
+              <a:buChar char="•"/>
+            </a:pPr>
+            <a:r>
+              <a:rPr lang="en-US" sz="1800" spc="15" dirty="0">
+                <a:solidFill>
+                  <a:srgbClr val="231F20"/>
+                </a:solidFill>
+                <a:latin typeface="Arial"/>
+                <a:cs typeface="Arial"/>
+              </a:rPr>
+              <a:t>The various hidden layers end with a final output layer, which has values correlating to the likeliness of given category</a:t>
+            </a:r>
+          </a:p>
+          <a:p>
+            <a:pPr marL="305385" marR="9818" indent="-285750">
+              <a:lnSpc>
+                <a:spcPct val="102899"/>
+              </a:lnSpc>
+              <a:spcBef>
+                <a:spcPts val="309"/>
+              </a:spcBef>
+              <a:buFont typeface="Arial" panose="020B0604020202020204" pitchFamily="34" charset="0"/>
+              <a:buChar char="•"/>
+            </a:pPr>
+            <a:r>
+              <a:rPr lang="en-US" sz="1800" spc="15" dirty="0">
+                <a:solidFill>
+                  <a:srgbClr val="231F20"/>
+                </a:solidFill>
+                <a:latin typeface="Arial"/>
+                <a:cs typeface="Arial"/>
+              </a:rPr>
+              <a:t>The parameters within the hidden layers are altered to best increase the prediction accuracy</a:t>
+            </a:r>
+          </a:p>
+          <a:p>
+            <a:pPr marL="305385" marR="9818" indent="-285750">
+              <a:lnSpc>
+                <a:spcPct val="102899"/>
+              </a:lnSpc>
+              <a:spcBef>
+                <a:spcPts val="309"/>
+              </a:spcBef>
+              <a:buFont typeface="Arial" panose="020B0604020202020204" pitchFamily="34" charset="0"/>
+              <a:buChar char="•"/>
+            </a:pPr>
+            <a:r>
+              <a:rPr lang="en-US" sz="1800" spc="15" dirty="0">
+                <a:solidFill>
+                  <a:srgbClr val="231F20"/>
+                </a:solidFill>
+                <a:latin typeface="Arial"/>
+                <a:cs typeface="Arial"/>
+              </a:rPr>
+              <a:t>In CNN’s, Images are firsts “convolved” to detect features. The relationship between nearby pixels is used to convolve the images through various filters</a:t>
+            </a:r>
+          </a:p>
+        </p:txBody>
+      </p:sp>
+      <p:sp>
+        <p:nvSpPr>
+          <p:cNvPr id="16" name="Rectangle 15">
             <a:extLst>
               <a:ext uri="{FF2B5EF4-FFF2-40B4-BE49-F238E27FC236}">
-                <a16:creationId xmlns:a16="http://schemas.microsoft.com/office/drawing/2014/main" id="{8999F74B-80BF-6B4F-A71E-FD73740F5F9F}"/>
+                <a16:creationId xmlns:a16="http://schemas.microsoft.com/office/drawing/2014/main" id="{37AE836A-AD40-E747-9F6C-8AC30B125AB7}"/>
               </a:ext>
             </a:extLst>
           </p:cNvPr>
@@ -2719,644 +2750,35 @@
         </p:nvSpPr>
         <p:spPr>
           <a:xfrm>
-            <a:off x="9481055" y="13337251"/>
-            <a:ext cx="7681320" cy="3273140"/>
+            <a:off x="10401462" y="14391844"/>
+            <a:ext cx="6371441" cy="4305461"/>
           </a:xfrm>
           <a:prstGeom prst="rect">
             <a:avLst/>
           </a:prstGeom>
         </p:spPr>
-        <p:txBody>
-          <a:bodyPr wrap="square">
-            <a:spAutoFit/>
-          </a:bodyPr>
+        <p:style>
+          <a:lnRef idx="2">
+            <a:schemeClr val="dk1">
+              <a:shade val="50000"/>
+            </a:schemeClr>
+          </a:lnRef>
+          <a:fillRef idx="1">
+            <a:schemeClr val="dk1"/>
+          </a:fillRef>
+          <a:effectRef idx="0">
+            <a:schemeClr val="dk1"/>
+          </a:effectRef>
+          <a:fontRef idx="minor">
+            <a:schemeClr val="lt1"/>
+          </a:fontRef>
+        </p:style>
+        <p:txBody>
+          <a:bodyPr rtlCol="0" anchor="ctr"/>
           <a:lstStyle/>
           <a:p>
-            <a:pPr marL="19635" marR="9818" lvl="0">
-              <a:lnSpc>
-                <a:spcPct val="102899"/>
-              </a:lnSpc>
-              <a:spcBef>
-                <a:spcPts val="309"/>
-              </a:spcBef>
-            </a:pPr>
-            <a:r>
-              <a:rPr lang="en-US" sz="1800" b="1" spc="15" dirty="0">
-                <a:solidFill>
-                  <a:srgbClr val="231F20"/>
-                </a:solidFill>
-                <a:latin typeface="Arial"/>
-                <a:cs typeface="Arial"/>
-              </a:rPr>
-              <a:t>Laser Parameters</a:t>
-            </a:r>
-          </a:p>
-          <a:p>
-            <a:pPr marL="305385" marR="9818" indent="-285750">
-              <a:lnSpc>
-                <a:spcPct val="102899"/>
-              </a:lnSpc>
-              <a:spcBef>
-                <a:spcPts val="309"/>
-              </a:spcBef>
-              <a:buFont typeface="Arial" panose="020B0604020202020204" pitchFamily="34" charset="0"/>
-              <a:buChar char="•"/>
-            </a:pPr>
-            <a:r>
-              <a:rPr lang="en-US" sz="1800" spc="15" dirty="0">
-                <a:solidFill>
-                  <a:srgbClr val="231F20"/>
-                </a:solidFill>
-                <a:latin typeface="Arial"/>
-                <a:cs typeface="Arial"/>
-              </a:rPr>
-              <a:t>Peak intensity of 10</a:t>
-            </a:r>
-            <a:r>
-              <a:rPr lang="en-US" sz="1800" spc="15" baseline="30000" dirty="0">
-                <a:solidFill>
-                  <a:srgbClr val="231F20"/>
-                </a:solidFill>
-                <a:latin typeface="Arial"/>
-                <a:cs typeface="Arial"/>
-              </a:rPr>
-              <a:t>21</a:t>
-            </a:r>
-            <a:r>
-              <a:rPr lang="en-US" sz="1800" spc="15" dirty="0">
-                <a:solidFill>
-                  <a:srgbClr val="231F20"/>
-                </a:solidFill>
-                <a:latin typeface="Arial"/>
-                <a:cs typeface="Arial"/>
-              </a:rPr>
-              <a:t> W*cm</a:t>
-            </a:r>
-            <a:r>
-              <a:rPr lang="en-US" sz="1800" spc="15" baseline="30000" dirty="0">
-                <a:solidFill>
-                  <a:srgbClr val="231F20"/>
-                </a:solidFill>
-                <a:latin typeface="Arial"/>
-                <a:cs typeface="Arial"/>
-              </a:rPr>
-              <a:t>-2</a:t>
-            </a:r>
-            <a:r>
-              <a:rPr lang="en-US" sz="1800" spc="15" dirty="0">
-                <a:solidFill>
-                  <a:srgbClr val="231F20"/>
-                </a:solidFill>
-                <a:latin typeface="Arial"/>
-                <a:cs typeface="Arial"/>
-              </a:rPr>
-              <a:t> </a:t>
-            </a:r>
-          </a:p>
-          <a:p>
-            <a:pPr marL="305385" marR="9818" indent="-285750">
-              <a:lnSpc>
-                <a:spcPct val="102899"/>
-              </a:lnSpc>
-              <a:spcBef>
-                <a:spcPts val="309"/>
-              </a:spcBef>
-              <a:buFont typeface="Arial" panose="020B0604020202020204" pitchFamily="34" charset="0"/>
-              <a:buChar char="•"/>
-            </a:pPr>
-            <a:r>
-              <a:rPr lang="en-US" sz="1800" spc="15" dirty="0">
-                <a:solidFill>
-                  <a:srgbClr val="231F20"/>
-                </a:solidFill>
-                <a:latin typeface="Arial"/>
-                <a:cs typeface="Arial"/>
-              </a:rPr>
-              <a:t>Spot size of 1.86 </a:t>
-            </a:r>
-            <a:r>
-              <a:rPr lang="el-GR" sz="1800" spc="15" dirty="0">
-                <a:solidFill>
-                  <a:srgbClr val="231F20"/>
-                </a:solidFill>
-                <a:latin typeface="Arial"/>
-                <a:cs typeface="Arial"/>
-              </a:rPr>
-              <a:t>μ</a:t>
-            </a:r>
-            <a:r>
-              <a:rPr lang="en-US" sz="1800" spc="15" dirty="0">
-                <a:solidFill>
-                  <a:srgbClr val="231F20"/>
-                </a:solidFill>
-                <a:latin typeface="Arial"/>
-                <a:cs typeface="Arial"/>
-              </a:rPr>
-              <a:t>m (beam waist)</a:t>
-            </a:r>
-          </a:p>
-          <a:p>
-            <a:pPr marL="305385" marR="9818" indent="-285750">
-              <a:lnSpc>
-                <a:spcPct val="102899"/>
-              </a:lnSpc>
-              <a:spcBef>
-                <a:spcPts val="309"/>
-              </a:spcBef>
-              <a:buFont typeface="Arial" panose="020B0604020202020204" pitchFamily="34" charset="0"/>
-              <a:buChar char="•"/>
-            </a:pPr>
-            <a:r>
-              <a:rPr lang="en-US" sz="1800" spc="15" dirty="0">
-                <a:solidFill>
-                  <a:srgbClr val="231F20"/>
-                </a:solidFill>
-                <a:latin typeface="Arial"/>
-                <a:cs typeface="Arial"/>
-              </a:rPr>
-              <a:t>Pulse width of 42 fs (FWHM)</a:t>
-            </a:r>
-          </a:p>
-          <a:p>
-            <a:pPr marL="305385" marR="9818" lvl="0" indent="-285750">
-              <a:lnSpc>
-                <a:spcPct val="102899"/>
-              </a:lnSpc>
-              <a:spcBef>
-                <a:spcPts val="309"/>
-              </a:spcBef>
-              <a:buFont typeface="Arial" panose="020B0604020202020204" pitchFamily="34" charset="0"/>
-              <a:buChar char="•"/>
-            </a:pPr>
-            <a:endParaRPr lang="en-US" sz="1800" spc="15" dirty="0">
-              <a:solidFill>
-                <a:srgbClr val="231F20"/>
-              </a:solidFill>
-              <a:latin typeface="Arial"/>
-              <a:cs typeface="Arial"/>
-            </a:endParaRPr>
-          </a:p>
-          <a:p>
-            <a:pPr marL="19635" marR="9818" lvl="0">
-              <a:lnSpc>
-                <a:spcPct val="102899"/>
-              </a:lnSpc>
-              <a:spcBef>
-                <a:spcPts val="309"/>
-              </a:spcBef>
-            </a:pPr>
-            <a:r>
-              <a:rPr lang="en-US" sz="1800" b="1" spc="15" dirty="0">
-                <a:solidFill>
-                  <a:srgbClr val="231F20"/>
-                </a:solidFill>
-                <a:latin typeface="Arial"/>
-                <a:cs typeface="Arial"/>
-              </a:rPr>
-              <a:t>Target Parameters</a:t>
-            </a:r>
-          </a:p>
-          <a:p>
-            <a:pPr marL="305385" marR="9818" indent="-285750">
-              <a:lnSpc>
-                <a:spcPct val="102899"/>
-              </a:lnSpc>
-              <a:spcBef>
-                <a:spcPts val="309"/>
-              </a:spcBef>
-              <a:buFont typeface="Arial" panose="020B0604020202020204" pitchFamily="34" charset="0"/>
-              <a:buChar char="•"/>
-            </a:pPr>
-            <a:r>
-              <a:rPr lang="el-GR" sz="1800" spc="15" dirty="0">
-                <a:solidFill>
-                  <a:srgbClr val="231F20"/>
-                </a:solidFill>
-                <a:latin typeface="Arial"/>
-                <a:cs typeface="Arial"/>
-              </a:rPr>
-              <a:t>0.46 μ</a:t>
-            </a:r>
-            <a:r>
-              <a:rPr lang="en-US" sz="1800" spc="15" dirty="0">
-                <a:solidFill>
-                  <a:srgbClr val="231F20"/>
-                </a:solidFill>
-                <a:latin typeface="Arial"/>
-                <a:cs typeface="Arial"/>
-              </a:rPr>
-              <a:t>m Ethylene Glycol Target</a:t>
-            </a:r>
-          </a:p>
-          <a:p>
-            <a:pPr marL="305385" marR="9818" indent="-285750">
-              <a:lnSpc>
-                <a:spcPct val="102899"/>
-              </a:lnSpc>
-              <a:spcBef>
-                <a:spcPts val="309"/>
-              </a:spcBef>
-              <a:buFont typeface="Arial" panose="020B0604020202020204" pitchFamily="34" charset="0"/>
-              <a:buChar char="•"/>
-            </a:pPr>
-            <a:r>
-              <a:rPr lang="en-US" sz="1800" spc="15" dirty="0">
-                <a:solidFill>
-                  <a:srgbClr val="231F20"/>
-                </a:solidFill>
-                <a:latin typeface="Arial"/>
-                <a:cs typeface="Arial"/>
-              </a:rPr>
-              <a:t>36 particles per cell (9 particles per species for 4 species)</a:t>
-            </a:r>
-          </a:p>
-          <a:p>
-            <a:pPr marL="305385" marR="9818" indent="-285750">
-              <a:lnSpc>
-                <a:spcPct val="102899"/>
-              </a:lnSpc>
-              <a:spcBef>
-                <a:spcPts val="309"/>
-              </a:spcBef>
-              <a:buFont typeface="Arial" panose="020B0604020202020204" pitchFamily="34" charset="0"/>
-              <a:buChar char="•"/>
-            </a:pPr>
-            <a:r>
-              <a:rPr lang="en-US" sz="1800" spc="15" dirty="0">
-                <a:solidFill>
-                  <a:srgbClr val="231F20"/>
-                </a:solidFill>
-                <a:latin typeface="Arial"/>
-                <a:cs typeface="Arial"/>
-              </a:rPr>
-              <a:t>No </a:t>
-            </a:r>
-            <a:r>
-              <a:rPr lang="en-US" sz="1800" spc="15" dirty="0" err="1">
-                <a:solidFill>
-                  <a:srgbClr val="231F20"/>
-                </a:solidFill>
-                <a:latin typeface="Arial"/>
-                <a:cs typeface="Arial"/>
-              </a:rPr>
-              <a:t>preplasma</a:t>
-            </a:r>
-            <a:endParaRPr lang="en-US" sz="1800" spc="15" dirty="0">
-              <a:solidFill>
-                <a:srgbClr val="231F20"/>
-              </a:solidFill>
-              <a:latin typeface="Arial"/>
-              <a:cs typeface="Arial"/>
-            </a:endParaRPr>
-          </a:p>
-          <a:p>
-            <a:pPr marL="305385" marR="9818" indent="-285750">
-              <a:lnSpc>
-                <a:spcPct val="102899"/>
-              </a:lnSpc>
-              <a:spcBef>
-                <a:spcPts val="309"/>
-              </a:spcBef>
-              <a:buFont typeface="Arial" panose="020B0604020202020204" pitchFamily="34" charset="0"/>
-              <a:buChar char="•"/>
-            </a:pPr>
-            <a:r>
-              <a:rPr lang="en-US" sz="1800" spc="15" dirty="0">
-                <a:solidFill>
-                  <a:srgbClr val="231F20"/>
-                </a:solidFill>
-                <a:latin typeface="Arial"/>
-                <a:cs typeface="Arial"/>
-              </a:rPr>
-              <a:t>1 eV starting temperature</a:t>
-            </a:r>
-          </a:p>
-        </p:txBody>
-      </p:sp>
-      <p:sp>
-        <p:nvSpPr>
-          <p:cNvPr id="29" name="TextBox 28">
-            <a:extLst>
-              <a:ext uri="{FF2B5EF4-FFF2-40B4-BE49-F238E27FC236}">
-                <a16:creationId xmlns:a16="http://schemas.microsoft.com/office/drawing/2014/main" id="{903BCB24-65B3-2C4A-BAB9-B7D28E45A931}"/>
-              </a:ext>
-            </a:extLst>
-          </p:cNvPr>
-          <p:cNvSpPr txBox="1"/>
-          <p:nvPr/>
-        </p:nvSpPr>
-        <p:spPr>
-          <a:xfrm>
-            <a:off x="11364951" y="3467323"/>
-            <a:ext cx="4061496" cy="338554"/>
-          </a:xfrm>
-          <a:prstGeom prst="rect">
-            <a:avLst/>
-          </a:prstGeom>
-          <a:noFill/>
-        </p:spPr>
-        <p:txBody>
-          <a:bodyPr wrap="none" rtlCol="0">
-            <a:spAutoFit/>
-          </a:bodyPr>
-          <a:lstStyle/>
-          <a:p>
-            <a:r>
-              <a:rPr lang="en-US" sz="1600" b="1" dirty="0"/>
-              <a:t>Electric field component Normal to the Target</a:t>
-            </a:r>
-          </a:p>
-        </p:txBody>
-      </p:sp>
-      <p:sp>
-        <p:nvSpPr>
-          <p:cNvPr id="71" name="TextBox 70">
-            <a:extLst>
-              <a:ext uri="{FF2B5EF4-FFF2-40B4-BE49-F238E27FC236}">
-                <a16:creationId xmlns:a16="http://schemas.microsoft.com/office/drawing/2014/main" id="{2AF4B4D5-EB6E-5640-9FF3-7566A8E09B51}"/>
-              </a:ext>
-            </a:extLst>
-          </p:cNvPr>
-          <p:cNvSpPr txBox="1"/>
-          <p:nvPr/>
-        </p:nvSpPr>
-        <p:spPr>
-          <a:xfrm>
-            <a:off x="11612802" y="8948523"/>
-            <a:ext cx="3954288" cy="338554"/>
-          </a:xfrm>
-          <a:prstGeom prst="rect">
-            <a:avLst/>
-          </a:prstGeom>
-          <a:noFill/>
-        </p:spPr>
-        <p:txBody>
-          <a:bodyPr wrap="none" rtlCol="0">
-            <a:spAutoFit/>
-          </a:bodyPr>
-          <a:lstStyle/>
-          <a:p>
-            <a:r>
-              <a:rPr lang="en-US" sz="1600" b="1" dirty="0"/>
-              <a:t>Proton Energies at 250 fs into the simulation</a:t>
-            </a:r>
-          </a:p>
-        </p:txBody>
-      </p:sp>
-      <p:sp>
-        <p:nvSpPr>
-          <p:cNvPr id="30" name="Rectangle 29">
-            <a:extLst>
-              <a:ext uri="{FF2B5EF4-FFF2-40B4-BE49-F238E27FC236}">
-                <a16:creationId xmlns:a16="http://schemas.microsoft.com/office/drawing/2014/main" id="{4AD92EE5-F6B5-7D47-942C-36937BE17DDE}"/>
-              </a:ext>
-            </a:extLst>
-          </p:cNvPr>
-          <p:cNvSpPr/>
-          <p:nvPr/>
-        </p:nvSpPr>
-        <p:spPr>
-          <a:xfrm>
-            <a:off x="9578404" y="2851364"/>
-            <a:ext cx="1317027" cy="461665"/>
-          </a:xfrm>
-          <a:prstGeom prst="rect">
-            <a:avLst/>
-          </a:prstGeom>
-        </p:spPr>
-        <p:txBody>
-          <a:bodyPr wrap="none">
-            <a:spAutoFit/>
-          </a:bodyPr>
-          <a:lstStyle/>
-          <a:p>
-            <a:pPr marL="19635" lvl="0">
-              <a:spcAft>
-                <a:spcPts val="928"/>
-              </a:spcAft>
-            </a:pPr>
-            <a:r>
-              <a:rPr lang="en-US" sz="2400" b="1" dirty="0">
-                <a:solidFill>
-                  <a:srgbClr val="231F20"/>
-                </a:solidFill>
-                <a:latin typeface="Arial"/>
-                <a:cs typeface="Arial"/>
-              </a:rPr>
-              <a:t>Results</a:t>
-            </a:r>
-          </a:p>
-        </p:txBody>
-      </p:sp>
-      <p:pic>
-        <p:nvPicPr>
-          <p:cNvPr id="32" name="Picture 31" descr="Chart&#10;&#10;Description automatically generated">
-            <a:extLst>
-              <a:ext uri="{FF2B5EF4-FFF2-40B4-BE49-F238E27FC236}">
-                <a16:creationId xmlns:a16="http://schemas.microsoft.com/office/drawing/2014/main" id="{A0514545-9FE9-4241-9470-B66AA36835D0}"/>
-              </a:ext>
-            </a:extLst>
-          </p:cNvPr>
-          <p:cNvPicPr>
-            <a:picLocks noChangeAspect="1"/>
-          </p:cNvPicPr>
-          <p:nvPr/>
-        </p:nvPicPr>
-        <p:blipFill rotWithShape="1">
-          <a:blip r:embed="rId3">
-            <a:extLst>
-              <a:ext uri="{28A0092B-C50C-407E-A947-70E740481C1C}">
-                <a14:useLocalDpi xmlns:a14="http://schemas.microsoft.com/office/drawing/2010/main" val="0"/>
-              </a:ext>
-            </a:extLst>
-          </a:blip>
-          <a:srcRect l="5762" t="14488" r="3029" b="3634"/>
-          <a:stretch/>
-        </p:blipFill>
-        <p:spPr>
-          <a:xfrm>
-            <a:off x="9552423" y="3770598"/>
-            <a:ext cx="7774883" cy="5234628"/>
-          </a:xfrm>
-          <a:prstGeom prst="rect">
-            <a:avLst/>
-          </a:prstGeom>
-        </p:spPr>
-      </p:pic>
-      <p:pic>
-        <p:nvPicPr>
-          <p:cNvPr id="73" name="Picture 72" descr="Chart, histogram, surface chart&#10;&#10;Description automatically generated">
-            <a:extLst>
-              <a:ext uri="{FF2B5EF4-FFF2-40B4-BE49-F238E27FC236}">
-                <a16:creationId xmlns:a16="http://schemas.microsoft.com/office/drawing/2014/main" id="{FC312E1A-1F01-AF4B-9364-376185B668C0}"/>
-              </a:ext>
-            </a:extLst>
-          </p:cNvPr>
-          <p:cNvPicPr>
-            <a:picLocks noChangeAspect="1"/>
-          </p:cNvPicPr>
-          <p:nvPr/>
-        </p:nvPicPr>
-        <p:blipFill rotWithShape="1">
-          <a:blip r:embed="rId4">
-            <a:extLst>
-              <a:ext uri="{28A0092B-C50C-407E-A947-70E740481C1C}">
-                <a14:useLocalDpi xmlns:a14="http://schemas.microsoft.com/office/drawing/2010/main" val="0"/>
-              </a:ext>
-            </a:extLst>
-          </a:blip>
-          <a:srcRect l="4839" t="25302" r="1948" b="14652"/>
-          <a:stretch/>
-        </p:blipFill>
-        <p:spPr>
-          <a:xfrm>
-            <a:off x="9430803" y="9415924"/>
-            <a:ext cx="8201405" cy="3962398"/>
-          </a:xfrm>
-          <a:prstGeom prst="rect">
-            <a:avLst/>
-          </a:prstGeom>
-        </p:spPr>
-      </p:pic>
-      <p:pic>
-        <p:nvPicPr>
-          <p:cNvPr id="75" name="Picture 74" descr="Chart, histogram&#10;&#10;Description automatically generated">
-            <a:extLst>
-              <a:ext uri="{FF2B5EF4-FFF2-40B4-BE49-F238E27FC236}">
-                <a16:creationId xmlns:a16="http://schemas.microsoft.com/office/drawing/2014/main" id="{F9EC2AB1-4429-1A46-BEA1-EEE548DD4086}"/>
-              </a:ext>
-            </a:extLst>
-          </p:cNvPr>
-          <p:cNvPicPr>
-            <a:picLocks noChangeAspect="1"/>
-          </p:cNvPicPr>
-          <p:nvPr/>
-        </p:nvPicPr>
-        <p:blipFill rotWithShape="1">
-          <a:blip r:embed="rId5">
-            <a:extLst>
-              <a:ext uri="{28A0092B-C50C-407E-A947-70E740481C1C}">
-                <a14:useLocalDpi xmlns:a14="http://schemas.microsoft.com/office/drawing/2010/main" val="0"/>
-              </a:ext>
-            </a:extLst>
-          </a:blip>
-          <a:srcRect l="5851" t="5111" r="4459" b="951"/>
-          <a:stretch/>
-        </p:blipFill>
-        <p:spPr>
-          <a:xfrm>
-            <a:off x="19195866" y="5611934"/>
-            <a:ext cx="6425443" cy="5047269"/>
-          </a:xfrm>
-          <a:prstGeom prst="rect">
-            <a:avLst/>
-          </a:prstGeom>
-        </p:spPr>
-      </p:pic>
-      <p:sp>
-        <p:nvSpPr>
-          <p:cNvPr id="76" name="Rectangle 75">
-            <a:extLst>
-              <a:ext uri="{FF2B5EF4-FFF2-40B4-BE49-F238E27FC236}">
-                <a16:creationId xmlns:a16="http://schemas.microsoft.com/office/drawing/2014/main" id="{149D7FE6-B990-214B-B761-BAC06DED3919}"/>
-              </a:ext>
-            </a:extLst>
-          </p:cNvPr>
-          <p:cNvSpPr/>
-          <p:nvPr/>
-        </p:nvSpPr>
-        <p:spPr>
-          <a:xfrm>
-            <a:off x="1307760" y="9796288"/>
-            <a:ext cx="7381909" cy="1253356"/>
-          </a:xfrm>
-          <a:prstGeom prst="rect">
-            <a:avLst/>
-          </a:prstGeom>
-        </p:spPr>
-        <p:txBody>
-          <a:bodyPr wrap="square">
-            <a:spAutoFit/>
-          </a:bodyPr>
-          <a:lstStyle/>
-          <a:p>
-            <a:pPr marL="305385" marR="9818" lvl="0" indent="-285750">
-              <a:lnSpc>
-                <a:spcPct val="102899"/>
-              </a:lnSpc>
-              <a:spcBef>
-                <a:spcPts val="309"/>
-              </a:spcBef>
-              <a:buFont typeface="Arial" panose="020B0604020202020204" pitchFamily="34" charset="0"/>
-              <a:buChar char="•"/>
-            </a:pPr>
-            <a:r>
-              <a:rPr lang="en-US" sz="1800" spc="15" dirty="0">
-                <a:solidFill>
-                  <a:srgbClr val="231F20"/>
-                </a:solidFill>
-                <a:latin typeface="Arial"/>
-                <a:cs typeface="Arial"/>
-              </a:rPr>
-              <a:t>Particles are modeled by macroparticles which represent many ions or electrons.</a:t>
-            </a:r>
-          </a:p>
-          <a:p>
-            <a:pPr marL="305385" marR="9818" lvl="0" indent="-285750">
-              <a:lnSpc>
-                <a:spcPct val="102899"/>
-              </a:lnSpc>
-              <a:spcBef>
-                <a:spcPts val="309"/>
-              </a:spcBef>
-              <a:buFont typeface="Arial" panose="020B0604020202020204" pitchFamily="34" charset="0"/>
-              <a:buChar char="•"/>
-            </a:pPr>
-            <a:r>
-              <a:rPr lang="en-US" sz="1800" spc="15" dirty="0">
-                <a:solidFill>
-                  <a:srgbClr val="231F20"/>
-                </a:solidFill>
-                <a:latin typeface="Arial"/>
-                <a:cs typeface="Arial"/>
-              </a:rPr>
-              <a:t>Particles are pushed by the fields on the grid, and the resulting fields are then calculated.</a:t>
-            </a:r>
-          </a:p>
-        </p:txBody>
-      </p:sp>
-      <p:sp>
-        <p:nvSpPr>
-          <p:cNvPr id="77" name="TextBox 76">
-            <a:extLst>
-              <a:ext uri="{FF2B5EF4-FFF2-40B4-BE49-F238E27FC236}">
-                <a16:creationId xmlns:a16="http://schemas.microsoft.com/office/drawing/2014/main" id="{6C765180-2ABE-B748-A797-DD9787B27A33}"/>
-              </a:ext>
-            </a:extLst>
-          </p:cNvPr>
-          <p:cNvSpPr txBox="1"/>
-          <p:nvPr/>
-        </p:nvSpPr>
-        <p:spPr>
-          <a:xfrm>
-            <a:off x="20761659" y="5390337"/>
-            <a:ext cx="3828612" cy="338554"/>
-          </a:xfrm>
-          <a:prstGeom prst="rect">
-            <a:avLst/>
-          </a:prstGeom>
-          <a:noFill/>
-        </p:spPr>
-        <p:txBody>
-          <a:bodyPr wrap="none" rtlCol="0">
-            <a:spAutoFit/>
-          </a:bodyPr>
-          <a:lstStyle/>
-          <a:p>
-            <a:r>
-              <a:rPr lang="en-US" sz="1600" b="1" dirty="0"/>
-              <a:t>Average Energy of top 1000 macroparticles</a:t>
-            </a:r>
+            <a:pPr algn="ctr"/>
+            <a:endParaRPr lang="en-US"/>
           </a:p>
         </p:txBody>
       </p:sp>
@@ -3374,8 +2796,8 @@
         </p:nvSpPr>
         <p:spPr>
           <a:xfrm>
-            <a:off x="18256594" y="15600028"/>
-            <a:ext cx="7643337" cy="1621534"/>
+            <a:off x="18202547" y="12765040"/>
+            <a:ext cx="7643337" cy="2287357"/>
           </a:xfrm>
           <a:prstGeom prst="rect">
             <a:avLst/>
@@ -3404,7 +2826,7 @@
             </a:r>
           </a:p>
           <a:p>
-            <a:pPr marL="305385" marR="9818" lvl="0" indent="-285750">
+            <a:pPr marL="305385" marR="9818" indent="-285750">
               <a:lnSpc>
                 <a:spcPct val="102899"/>
               </a:lnSpc>
@@ -3422,7 +2844,51 @@
                 <a:latin typeface="Arial"/>
                 <a:cs typeface="Arial"/>
               </a:rPr>
-              <a:t>Simulations were performed on the ASC Unity cluster at Ohio State University.</a:t>
+              <a:t>Thank you to Dr. Trevor Vickey (Uni of Sheffield), Dr. Andrew Blue (Uni of Glasgow), and Dr. Paul Miyagawa (QMU London) for the dataset of sensor images and insightful conversations</a:t>
+            </a:r>
+          </a:p>
+          <a:p>
+            <a:pPr marL="305385" marR="9818" indent="-285750">
+              <a:lnSpc>
+                <a:spcPct val="102899"/>
+              </a:lnSpc>
+              <a:spcBef>
+                <a:spcPts val="309"/>
+              </a:spcBef>
+              <a:buFont typeface="Arial" panose="020B0604020202020204" pitchFamily="34" charset="0"/>
+              <a:buChar char="•"/>
+            </a:pPr>
+            <a:r>
+              <a:rPr lang="en-US" sz="1800" spc="15" dirty="0">
+                <a:solidFill>
+                  <a:srgbClr val="231F20"/>
+                </a:solidFill>
+                <a:latin typeface="Arial"/>
+                <a:cs typeface="Arial"/>
+              </a:rPr>
+              <a:t>Thank you to Dr. Richard Hughes for guidance throughout this project</a:t>
+            </a:r>
+          </a:p>
+          <a:p>
+            <a:pPr marL="305385" marR="9818" indent="-285750">
+              <a:lnSpc>
+                <a:spcPct val="102899"/>
+              </a:lnSpc>
+              <a:spcBef>
+                <a:spcPts val="309"/>
+              </a:spcBef>
+              <a:buFont typeface="Arial" panose="020B0604020202020204" pitchFamily="34" charset="0"/>
+              <a:buChar char="•"/>
+            </a:pPr>
+            <a:r>
+              <a:rPr lang="en-US" sz="1800" spc="15" dirty="0">
+                <a:solidFill>
+                  <a:srgbClr val="231F20"/>
+                </a:solidFill>
+                <a:latin typeface="Arial"/>
+                <a:cs typeface="Arial"/>
+              </a:rPr>
+              <a:t>Training and processing was done on the Ohio Super Computer</a:t>
             </a:r>
             <a:endParaRPr lang="en-US" sz="1500" spc="15" dirty="0">
               <a:solidFill>
@@ -3443,38 +2909,306 @@
               <a:buFont typeface="Arial" panose="020B0604020202020204" pitchFamily="34" charset="0"/>
               <a:buChar char="•"/>
             </a:pPr>
-            <a:endParaRPr lang="en-US" sz="1500" spc="15" dirty="0">
+            <a:endParaRPr lang="en-US" sz="1500" dirty="0">
+              <a:latin typeface="Arial"/>
+              <a:cs typeface="Arial"/>
+            </a:endParaRPr>
+          </a:p>
+        </p:txBody>
+      </p:sp>
+      <p:sp>
+        <p:nvSpPr>
+          <p:cNvPr id="37" name="object 24">
+            <a:extLst>
+              <a:ext uri="{FF2B5EF4-FFF2-40B4-BE49-F238E27FC236}">
+                <a16:creationId xmlns:a16="http://schemas.microsoft.com/office/drawing/2014/main" id="{52B1CB49-1931-B344-895B-4DAC446EF43E}"/>
+              </a:ext>
+            </a:extLst>
+          </p:cNvPr>
+          <p:cNvSpPr txBox="1"/>
+          <p:nvPr/>
+        </p:nvSpPr>
+        <p:spPr>
+          <a:xfrm>
+            <a:off x="10581138" y="14592732"/>
+            <a:ext cx="7643337" cy="4367734"/>
+          </a:xfrm>
+          <a:prstGeom prst="rect">
+            <a:avLst/>
+          </a:prstGeom>
+        </p:spPr>
+        <p:txBody>
+          <a:bodyPr vert="horz" wrap="square" lIns="0" tIns="0" rIns="0" bIns="0" rtlCol="0">
+            <a:spAutoFit/>
+          </a:bodyPr>
+          <a:lstStyle/>
+          <a:p>
+            <a:r>
+              <a:rPr lang="en-US" sz="1200" dirty="0">
+                <a:solidFill>
+                  <a:schemeClr val="bg1"/>
+                </a:solidFill>
+                <a:latin typeface="Andale Mono" panose="020B0509000000000004" pitchFamily="49" charset="0"/>
+              </a:rPr>
+              <a:t>Model: "sequential"</a:t>
+            </a:r>
+          </a:p>
+          <a:p>
+            <a:r>
+              <a:rPr lang="en-US" sz="1200" dirty="0">
+                <a:solidFill>
+                  <a:schemeClr val="bg1"/>
+                </a:solidFill>
+                <a:latin typeface="Andale Mono" panose="020B0509000000000004" pitchFamily="49" charset="0"/>
+              </a:rPr>
+              <a:t>_________________________________________________________________</a:t>
+            </a:r>
+          </a:p>
+          <a:p>
+            <a:r>
+              <a:rPr lang="en-US" sz="1200" dirty="0">
+                <a:solidFill>
+                  <a:schemeClr val="bg1"/>
+                </a:solidFill>
+                <a:latin typeface="Andale Mono" panose="020B0509000000000004" pitchFamily="49" charset="0"/>
+              </a:rPr>
+              <a:t>Layer (type)                 Output Shape              Param #</a:t>
+            </a:r>
+          </a:p>
+          <a:p>
+            <a:r>
+              <a:rPr lang="en-US" sz="1200" dirty="0">
+                <a:solidFill>
+                  <a:schemeClr val="bg1"/>
+                </a:solidFill>
+                <a:latin typeface="Andale Mono" panose="020B0509000000000004" pitchFamily="49" charset="0"/>
+              </a:rPr>
+              <a:t>=================================================================</a:t>
+            </a:r>
+          </a:p>
+          <a:p>
+            <a:r>
+              <a:rPr lang="en-US" sz="1200" dirty="0">
+                <a:solidFill>
+                  <a:schemeClr val="bg1"/>
+                </a:solidFill>
+                <a:latin typeface="Andale Mono" panose="020B0509000000000004" pitchFamily="49" charset="0"/>
+              </a:rPr>
+              <a:t>conv2d (Conv2D)              (None, 124, 149, 30)      780</a:t>
+            </a:r>
+          </a:p>
+          <a:p>
+            <a:r>
+              <a:rPr lang="en-US" sz="1200" dirty="0">
+                <a:solidFill>
+                  <a:schemeClr val="bg1"/>
+                </a:solidFill>
+                <a:latin typeface="Andale Mono" panose="020B0509000000000004" pitchFamily="49" charset="0"/>
+              </a:rPr>
+              <a:t>_________________________________________________________________</a:t>
+            </a:r>
+          </a:p>
+          <a:p>
+            <a:r>
+              <a:rPr lang="en-US" sz="1200" dirty="0">
+                <a:solidFill>
+                  <a:schemeClr val="bg1"/>
+                </a:solidFill>
+                <a:latin typeface="Andale Mono" panose="020B0509000000000004" pitchFamily="49" charset="0"/>
+              </a:rPr>
+              <a:t>max_pooling2d (MaxPooling2D) (None, 62, 74, 30)        0</a:t>
+            </a:r>
+          </a:p>
+          <a:p>
+            <a:r>
+              <a:rPr lang="en-US" sz="1200" dirty="0">
+                <a:solidFill>
+                  <a:schemeClr val="bg1"/>
+                </a:solidFill>
+                <a:latin typeface="Andale Mono" panose="020B0509000000000004" pitchFamily="49" charset="0"/>
+              </a:rPr>
+              <a:t>_________________________________________________________________</a:t>
+            </a:r>
+          </a:p>
+          <a:p>
+            <a:r>
+              <a:rPr lang="en-US" sz="1200" dirty="0">
+                <a:solidFill>
+                  <a:schemeClr val="bg1"/>
+                </a:solidFill>
+                <a:latin typeface="Andale Mono" panose="020B0509000000000004" pitchFamily="49" charset="0"/>
+              </a:rPr>
+              <a:t>conv2d_1 (Conv2D)            (None, 58, 70, 25)        18775</a:t>
+            </a:r>
+          </a:p>
+          <a:p>
+            <a:r>
+              <a:rPr lang="en-US" sz="1200" dirty="0">
+                <a:solidFill>
+                  <a:schemeClr val="bg1"/>
+                </a:solidFill>
+                <a:latin typeface="Andale Mono" panose="020B0509000000000004" pitchFamily="49" charset="0"/>
+              </a:rPr>
+              <a:t>_________________________________________________________________</a:t>
+            </a:r>
+          </a:p>
+          <a:p>
+            <a:r>
+              <a:rPr lang="en-US" sz="1200" dirty="0">
+                <a:solidFill>
+                  <a:schemeClr val="bg1"/>
+                </a:solidFill>
+                <a:latin typeface="Andale Mono" panose="020B0509000000000004" pitchFamily="49" charset="0"/>
+              </a:rPr>
+              <a:t>max_pooling2d_1 (MaxPooling2 (None, 29, 35, 25)        0</a:t>
+            </a:r>
+          </a:p>
+          <a:p>
+            <a:r>
+              <a:rPr lang="en-US" sz="1200" dirty="0">
+                <a:solidFill>
+                  <a:schemeClr val="bg1"/>
+                </a:solidFill>
+                <a:latin typeface="Andale Mono" panose="020B0509000000000004" pitchFamily="49" charset="0"/>
+              </a:rPr>
+              <a:t>_________________________________________________________________</a:t>
+            </a:r>
+          </a:p>
+          <a:p>
+            <a:r>
+              <a:rPr lang="en-US" sz="1200" dirty="0">
+                <a:solidFill>
+                  <a:schemeClr val="bg1"/>
+                </a:solidFill>
+                <a:latin typeface="Andale Mono" panose="020B0509000000000004" pitchFamily="49" charset="0"/>
+              </a:rPr>
+              <a:t>flatten (Flatten)            (None, 25375)             0</a:t>
+            </a:r>
+          </a:p>
+          <a:p>
+            <a:r>
+              <a:rPr lang="en-US" sz="1200" dirty="0">
+                <a:solidFill>
+                  <a:schemeClr val="bg1"/>
+                </a:solidFill>
+                <a:latin typeface="Andale Mono" panose="020B0509000000000004" pitchFamily="49" charset="0"/>
+              </a:rPr>
+              <a:t>_________________________________________________________________</a:t>
+            </a:r>
+          </a:p>
+          <a:p>
+            <a:r>
+              <a:rPr lang="en-US" sz="1200" dirty="0">
+                <a:solidFill>
+                  <a:schemeClr val="bg1"/>
+                </a:solidFill>
+                <a:latin typeface="Andale Mono" panose="020B0509000000000004" pitchFamily="49" charset="0"/>
+              </a:rPr>
+              <a:t>dense (Dense)                (None, 64)                1624064</a:t>
+            </a:r>
+          </a:p>
+          <a:p>
+            <a:r>
+              <a:rPr lang="en-US" sz="1200" dirty="0">
+                <a:solidFill>
+                  <a:schemeClr val="bg1"/>
+                </a:solidFill>
+                <a:latin typeface="Andale Mono" panose="020B0509000000000004" pitchFamily="49" charset="0"/>
+              </a:rPr>
+              <a:t>_________________________________________________________________</a:t>
+            </a:r>
+          </a:p>
+          <a:p>
+            <a:r>
+              <a:rPr lang="en-US" sz="1200" dirty="0">
+                <a:solidFill>
+                  <a:schemeClr val="bg1"/>
+                </a:solidFill>
+                <a:latin typeface="Andale Mono" panose="020B0509000000000004" pitchFamily="49" charset="0"/>
+              </a:rPr>
+              <a:t>dense_1 (Dense)              (None, 2)                 130</a:t>
+            </a:r>
+          </a:p>
+          <a:p>
+            <a:r>
+              <a:rPr lang="en-US" sz="1200" dirty="0">
+                <a:solidFill>
+                  <a:schemeClr val="bg1"/>
+                </a:solidFill>
+                <a:latin typeface="Andale Mono" panose="020B0509000000000004" pitchFamily="49" charset="0"/>
+              </a:rPr>
+              <a:t>=================================================================</a:t>
+            </a:r>
+          </a:p>
+          <a:p>
+            <a:r>
+              <a:rPr lang="en-US" sz="1200" dirty="0">
+                <a:solidFill>
+                  <a:schemeClr val="bg1"/>
+                </a:solidFill>
+                <a:latin typeface="Andale Mono" panose="020B0509000000000004" pitchFamily="49" charset="0"/>
+              </a:rPr>
+              <a:t>Total params: 1,643,749</a:t>
+            </a:r>
+          </a:p>
+          <a:p>
+            <a:r>
+              <a:rPr lang="en-US" sz="1200" dirty="0">
+                <a:solidFill>
+                  <a:schemeClr val="bg1"/>
+                </a:solidFill>
+                <a:latin typeface="Andale Mono" panose="020B0509000000000004" pitchFamily="49" charset="0"/>
+              </a:rPr>
+              <a:t>Trainable params: 1,643,749</a:t>
+            </a:r>
+          </a:p>
+          <a:p>
+            <a:r>
+              <a:rPr lang="en-US" sz="1200" dirty="0">
+                <a:solidFill>
+                  <a:schemeClr val="bg1"/>
+                </a:solidFill>
+                <a:latin typeface="Andale Mono" panose="020B0509000000000004" pitchFamily="49" charset="0"/>
+              </a:rPr>
+              <a:t>Non-trainable params: 0</a:t>
+            </a:r>
+          </a:p>
+          <a:p>
+            <a:r>
+              <a:rPr lang="en-US" sz="1200" dirty="0">
+                <a:solidFill>
+                  <a:schemeClr val="bg1"/>
+                </a:solidFill>
+                <a:latin typeface="Andale Mono" panose="020B0509000000000004" pitchFamily="49" charset="0"/>
+              </a:rPr>
+              <a:t>_________________________________________________________________</a:t>
+            </a:r>
+          </a:p>
+          <a:p>
+            <a:pPr marL="19635" marR="9818" lvl="0">
+              <a:lnSpc>
+                <a:spcPct val="102899"/>
+              </a:lnSpc>
+              <a:spcBef>
+                <a:spcPts val="309"/>
+              </a:spcBef>
+            </a:pPr>
+            <a:endParaRPr lang="en-US" sz="1800" b="1" spc="15" dirty="0">
               <a:solidFill>
-                <a:srgbClr val="231F20"/>
+                <a:schemeClr val="bg1"/>
               </a:solidFill>
               <a:latin typeface="Arial"/>
               <a:cs typeface="Arial"/>
             </a:endParaRPr>
           </a:p>
-          <a:p>
-            <a:pPr marL="305385" marR="9818" lvl="0" indent="-285750">
-              <a:lnSpc>
-                <a:spcPct val="102899"/>
-              </a:lnSpc>
-              <a:spcBef>
-                <a:spcPts val="309"/>
-              </a:spcBef>
-              <a:buFont typeface="Arial" panose="020B0604020202020204" pitchFamily="34" charset="0"/>
-              <a:buChar char="•"/>
-            </a:pPr>
-            <a:endParaRPr lang="en-US" sz="1500" dirty="0">
-              <a:latin typeface="Arial"/>
-              <a:cs typeface="Arial"/>
-            </a:endParaRPr>
-          </a:p>
         </p:txBody>
       </p:sp>
       <p:pic>
         <p:nvPicPr>
-          <p:cNvPr id="5" name="Picture 4" descr="Chart, line chart&#10;&#10;Description automatically generated">
+          <p:cNvPr id="10" name="Picture 9">
             <a:extLst>
               <a:ext uri="{FF2B5EF4-FFF2-40B4-BE49-F238E27FC236}">
-                <a16:creationId xmlns:a16="http://schemas.microsoft.com/office/drawing/2014/main" id="{EEB00E2F-5199-4C4E-AE4C-84A20D97DCF0}"/>
+                <a16:creationId xmlns:a16="http://schemas.microsoft.com/office/drawing/2014/main" id="{15987F93-E20F-894C-8A87-796B63CFA717}"/>
               </a:ext>
             </a:extLst>
           </p:cNvPr>
@@ -3484,7 +3218,70 @@
           <p:nvPr/>
         </p:nvPicPr>
         <p:blipFill>
-          <a:blip r:embed="rId6">
+          <a:blip r:embed="rId3"/>
+          <a:stretch>
+            <a:fillRect/>
+          </a:stretch>
+        </p:blipFill>
+        <p:spPr>
+          <a:xfrm>
+            <a:off x="1977461" y="7653372"/>
+            <a:ext cx="6498420" cy="3596226"/>
+          </a:xfrm>
+          <a:prstGeom prst="rect">
+            <a:avLst/>
+          </a:prstGeom>
+        </p:spPr>
+      </p:pic>
+      <p:pic>
+        <p:nvPicPr>
+          <p:cNvPr id="11" name="Picture 10">
+            <a:extLst>
+              <a:ext uri="{FF2B5EF4-FFF2-40B4-BE49-F238E27FC236}">
+                <a16:creationId xmlns:a16="http://schemas.microsoft.com/office/drawing/2014/main" id="{DE6DD8E4-B8C1-8746-8B47-8110B640A256}"/>
+              </a:ext>
+            </a:extLst>
+          </p:cNvPr>
+          <p:cNvPicPr>
+            <a:picLocks noChangeAspect="1"/>
+          </p:cNvPicPr>
+          <p:nvPr/>
+        </p:nvPicPr>
+        <p:blipFill>
+          <a:blip r:embed="rId4"/>
+          <a:stretch>
+            <a:fillRect/>
+          </a:stretch>
+        </p:blipFill>
+        <p:spPr>
+          <a:xfrm>
+            <a:off x="704760" y="15738604"/>
+            <a:ext cx="8366694" cy="1916207"/>
+          </a:xfrm>
+          <a:prstGeom prst="rect">
+            <a:avLst/>
+          </a:prstGeom>
+        </p:spPr>
+      </p:pic>
+      <p:pic>
+        <p:nvPicPr>
+          <p:cNvPr id="15" name="Picture 14">
+            <a:extLst>
+              <a:ext uri="{FF2B5EF4-FFF2-40B4-BE49-F238E27FC236}">
+                <a16:creationId xmlns:a16="http://schemas.microsoft.com/office/drawing/2014/main" id="{7417EA88-527C-1D42-A9B6-11F7C0A73830}"/>
+              </a:ext>
+              <a:ext uri="{C183D7F6-B498-43B3-948B-1728B52AA6E4}">
+                <adec:decorative xmlns:adec="http://schemas.microsoft.com/office/drawing/2017/decorative" val="1"/>
+              </a:ext>
+            </a:extLst>
+          </p:cNvPr>
+          <p:cNvPicPr>
+            <a:picLocks noChangeAspect="1"/>
+          </p:cNvPicPr>
+          <p:nvPr/>
+        </p:nvPicPr>
+        <p:blipFill>
+          <a:blip r:embed="rId5">
             <a:extLst>
               <a:ext uri="{28A0092B-C50C-407E-A947-70E740481C1C}">
                 <a14:useLocalDpi xmlns:a14="http://schemas.microsoft.com/office/drawing/2010/main" val="0"/>
@@ -3497,20 +3294,107 @@
         </p:blipFill>
         <p:spPr>
           <a:xfrm>
-            <a:off x="21200188" y="10960425"/>
-            <a:ext cx="5882990" cy="4661042"/>
+            <a:off x="9487972" y="5079264"/>
+            <a:ext cx="3786994" cy="3168204"/>
           </a:xfrm>
           <a:prstGeom prst="rect">
             <a:avLst/>
           </a:prstGeom>
         </p:spPr>
       </p:pic>
-      <p:sp>
-        <p:nvSpPr>
-          <p:cNvPr id="33" name="TextBox 32">
+      <p:pic>
+        <p:nvPicPr>
+          <p:cNvPr id="46" name="Picture 45" descr="A picture containing monitor, screen, sitting, television&#10;&#10;Description automatically generated">
             <a:extLst>
               <a:ext uri="{FF2B5EF4-FFF2-40B4-BE49-F238E27FC236}">
-                <a16:creationId xmlns:a16="http://schemas.microsoft.com/office/drawing/2014/main" id="{E7EA8FD9-F22F-EA43-BB4C-9B4752E1EFD9}"/>
+                <a16:creationId xmlns:a16="http://schemas.microsoft.com/office/drawing/2014/main" id="{E6606C38-E410-5C4A-BFA4-CEBFF4D711E3}"/>
+              </a:ext>
+            </a:extLst>
+          </p:cNvPr>
+          <p:cNvPicPr>
+            <a:picLocks noChangeAspect="1"/>
+          </p:cNvPicPr>
+          <p:nvPr/>
+        </p:nvPicPr>
+        <p:blipFill rotWithShape="1">
+          <a:blip r:embed="rId6"/>
+          <a:srcRect l="21078" t="11113" r="18752" b="13381"/>
+          <a:stretch/>
+        </p:blipFill>
+        <p:spPr>
+          <a:xfrm>
+            <a:off x="13732569" y="5022790"/>
+            <a:ext cx="3854502" cy="3224678"/>
+          </a:xfrm>
+          <a:prstGeom prst="rect">
+            <a:avLst/>
+          </a:prstGeom>
+        </p:spPr>
+      </p:pic>
+      <p:pic>
+        <p:nvPicPr>
+          <p:cNvPr id="48" name="Picture 47" descr="A picture containing monitor, screen, television, dark&#10;&#10;Description automatically generated">
+            <a:extLst>
+              <a:ext uri="{FF2B5EF4-FFF2-40B4-BE49-F238E27FC236}">
+                <a16:creationId xmlns:a16="http://schemas.microsoft.com/office/drawing/2014/main" id="{BCB8C5F0-C8F2-0F44-8F88-FF722327CAA4}"/>
+              </a:ext>
+            </a:extLst>
+          </p:cNvPr>
+          <p:cNvPicPr>
+            <a:picLocks noChangeAspect="1"/>
+          </p:cNvPicPr>
+          <p:nvPr/>
+        </p:nvPicPr>
+        <p:blipFill rotWithShape="1">
+          <a:blip r:embed="rId7"/>
+          <a:srcRect l="20649" t="11517" r="18429" b="13112"/>
+          <a:stretch/>
+        </p:blipFill>
+        <p:spPr>
+          <a:xfrm>
+            <a:off x="9495884" y="10602419"/>
+            <a:ext cx="3813630" cy="3145371"/>
+          </a:xfrm>
+          <a:prstGeom prst="rect">
+            <a:avLst/>
+          </a:prstGeom>
+        </p:spPr>
+      </p:pic>
+      <p:pic>
+        <p:nvPicPr>
+          <p:cNvPr id="52" name="Picture 51" descr="A picture containing monitor, screen, television, dark&#10;&#10;Description automatically generated">
+            <a:extLst>
+              <a:ext uri="{FF2B5EF4-FFF2-40B4-BE49-F238E27FC236}">
+                <a16:creationId xmlns:a16="http://schemas.microsoft.com/office/drawing/2014/main" id="{16810AA3-0B75-1043-94D1-FED78368A91C}"/>
+              </a:ext>
+            </a:extLst>
+          </p:cNvPr>
+          <p:cNvPicPr>
+            <a:picLocks noChangeAspect="1"/>
+          </p:cNvPicPr>
+          <p:nvPr/>
+        </p:nvPicPr>
+        <p:blipFill rotWithShape="1">
+          <a:blip r:embed="rId8"/>
+          <a:srcRect l="21786" t="13396" r="18510" b="12920"/>
+          <a:stretch/>
+        </p:blipFill>
+        <p:spPr>
+          <a:xfrm rot="10800000">
+            <a:off x="13771047" y="10602419"/>
+            <a:ext cx="3822822" cy="3145370"/>
+          </a:xfrm>
+          <a:prstGeom prst="rect">
+            <a:avLst/>
+          </a:prstGeom>
+        </p:spPr>
+      </p:pic>
+      <p:sp>
+        <p:nvSpPr>
+          <p:cNvPr id="54" name="object 3">
+            <a:extLst>
+              <a:ext uri="{FF2B5EF4-FFF2-40B4-BE49-F238E27FC236}">
+                <a16:creationId xmlns:a16="http://schemas.microsoft.com/office/drawing/2014/main" id="{31D909DD-4F9E-D54F-AD27-BEF66DE2BA26}"/>
               </a:ext>
             </a:extLst>
           </p:cNvPr>
@@ -3519,8 +3403,310 @@
         </p:nvSpPr>
         <p:spPr>
           <a:xfrm>
-            <a:off x="23095619" y="10642200"/>
-            <a:ext cx="2170722" cy="338554"/>
+            <a:off x="18159078" y="3031931"/>
+            <a:ext cx="7686805" cy="5569923"/>
+          </a:xfrm>
+          <a:prstGeom prst="rect">
+            <a:avLst/>
+          </a:prstGeom>
+        </p:spPr>
+        <p:txBody>
+          <a:bodyPr vert="horz" wrap="square" lIns="0" tIns="0" rIns="0" bIns="0" rtlCol="0">
+            <a:spAutoFit/>
+          </a:bodyPr>
+          <a:lstStyle/>
+          <a:p>
+            <a:pPr marL="19635">
+              <a:spcAft>
+                <a:spcPts val="928"/>
+              </a:spcAft>
+            </a:pPr>
+            <a:r>
+              <a:rPr lang="en-US" sz="2400" b="1" dirty="0">
+                <a:solidFill>
+                  <a:srgbClr val="231F20"/>
+                </a:solidFill>
+                <a:latin typeface="Arial"/>
+                <a:cs typeface="Arial"/>
+              </a:rPr>
+              <a:t>Results</a:t>
+            </a:r>
+          </a:p>
+          <a:p>
+            <a:pPr marL="305385" marR="9818" indent="-285750">
+              <a:lnSpc>
+                <a:spcPct val="102899"/>
+              </a:lnSpc>
+              <a:spcBef>
+                <a:spcPts val="309"/>
+              </a:spcBef>
+              <a:buFont typeface="Arial" panose="020B0604020202020204" pitchFamily="34" charset="0"/>
+              <a:buChar char="•"/>
+            </a:pPr>
+            <a:r>
+              <a:rPr lang="en-US" sz="1800" dirty="0">
+                <a:latin typeface="Arial" panose="020B0604020202020204" pitchFamily="34" charset="0"/>
+                <a:cs typeface="Arial" panose="020B0604020202020204" pitchFamily="34" charset="0"/>
+              </a:rPr>
+              <a:t>The full dataset was 3,003 images and created 192,192 smaller images, each of which had a duplicated “damaged” version, leading to a total of 384,384 images which trained the network</a:t>
+            </a:r>
+          </a:p>
+          <a:p>
+            <a:pPr marL="305385" marR="9818" indent="-285750">
+              <a:lnSpc>
+                <a:spcPct val="102899"/>
+              </a:lnSpc>
+              <a:spcBef>
+                <a:spcPts val="309"/>
+              </a:spcBef>
+              <a:buFont typeface="Arial" panose="020B0604020202020204" pitchFamily="34" charset="0"/>
+              <a:buChar char="•"/>
+            </a:pPr>
+            <a:endParaRPr lang="en-US" sz="1800" dirty="0">
+              <a:latin typeface="Arial" panose="020B0604020202020204" pitchFamily="34" charset="0"/>
+              <a:cs typeface="Arial" panose="020B0604020202020204" pitchFamily="34" charset="0"/>
+            </a:endParaRPr>
+          </a:p>
+          <a:p>
+            <a:pPr marL="305385" marR="9818" indent="-285750">
+              <a:lnSpc>
+                <a:spcPct val="102899"/>
+              </a:lnSpc>
+              <a:spcBef>
+                <a:spcPts val="309"/>
+              </a:spcBef>
+              <a:buFont typeface="Arial" panose="020B0604020202020204" pitchFamily="34" charset="0"/>
+              <a:buChar char="•"/>
+            </a:pPr>
+            <a:r>
+              <a:rPr lang="en-US" sz="1800" dirty="0">
+                <a:latin typeface="Arial" panose="020B0604020202020204" pitchFamily="34" charset="0"/>
+                <a:cs typeface="Arial" panose="020B0604020202020204" pitchFamily="34" charset="0"/>
+              </a:rPr>
+              <a:t>Resources used:</a:t>
+            </a:r>
+          </a:p>
+          <a:p>
+            <a:pPr marL="1012262" marR="9818" lvl="1" indent="-285750">
+              <a:lnSpc>
+                <a:spcPct val="102899"/>
+              </a:lnSpc>
+              <a:spcBef>
+                <a:spcPts val="309"/>
+              </a:spcBef>
+              <a:buFont typeface="Arial" panose="020B0604020202020204" pitchFamily="34" charset="0"/>
+              <a:buChar char="•"/>
+            </a:pPr>
+            <a:r>
+              <a:rPr lang="en-US" sz="1800" dirty="0">
+                <a:latin typeface="Arial" panose="020B0604020202020204" pitchFamily="34" charset="0"/>
+                <a:cs typeface="Arial" panose="020B0604020202020204" pitchFamily="34" charset="0"/>
+              </a:rPr>
+              <a:t>One Node, 40 Processors</a:t>
+            </a:r>
+          </a:p>
+          <a:p>
+            <a:pPr marL="1012262" marR="9818" lvl="1" indent="-285750">
+              <a:lnSpc>
+                <a:spcPct val="102899"/>
+              </a:lnSpc>
+              <a:spcBef>
+                <a:spcPts val="309"/>
+              </a:spcBef>
+              <a:buFont typeface="Arial" panose="020B0604020202020204" pitchFamily="34" charset="0"/>
+              <a:buChar char="•"/>
+            </a:pPr>
+            <a:r>
+              <a:rPr lang="en-US" sz="1800" dirty="0">
+                <a:latin typeface="Arial" panose="020B0604020202020204" pitchFamily="34" charset="0"/>
+                <a:cs typeface="Arial" panose="020B0604020202020204" pitchFamily="34" charset="0"/>
+              </a:rPr>
+              <a:t>CPU Time = 84:55:20</a:t>
+            </a:r>
+          </a:p>
+          <a:p>
+            <a:pPr marL="1012262" marR="9818" lvl="1" indent="-285750">
+              <a:lnSpc>
+                <a:spcPct val="102899"/>
+              </a:lnSpc>
+              <a:spcBef>
+                <a:spcPts val="309"/>
+              </a:spcBef>
+              <a:buFont typeface="Arial" panose="020B0604020202020204" pitchFamily="34" charset="0"/>
+              <a:buChar char="•"/>
+            </a:pPr>
+            <a:r>
+              <a:rPr lang="en-US" sz="1800" dirty="0">
+                <a:latin typeface="Arial" panose="020B0604020202020204" pitchFamily="34" charset="0"/>
+                <a:cs typeface="Arial" panose="020B0604020202020204" pitchFamily="34" charset="0"/>
+              </a:rPr>
+              <a:t>Wall Time = 06:27:01</a:t>
+            </a:r>
+          </a:p>
+          <a:p>
+            <a:pPr marL="1012262" marR="9818" lvl="1" indent="-285750">
+              <a:lnSpc>
+                <a:spcPct val="102899"/>
+              </a:lnSpc>
+              <a:spcBef>
+                <a:spcPts val="309"/>
+              </a:spcBef>
+              <a:buFont typeface="Arial" panose="020B0604020202020204" pitchFamily="34" charset="0"/>
+              <a:buChar char="•"/>
+            </a:pPr>
+            <a:r>
+              <a:rPr lang="en-US" sz="1800" dirty="0">
+                <a:latin typeface="Arial" panose="020B0604020202020204" pitchFamily="34" charset="0"/>
+                <a:cs typeface="Arial" panose="020B0604020202020204" pitchFamily="34" charset="0"/>
+              </a:rPr>
+              <a:t>Memory = 36.095GB</a:t>
+            </a:r>
+          </a:p>
+          <a:p>
+            <a:pPr marL="1012262" marR="9818" lvl="1" indent="-285750">
+              <a:lnSpc>
+                <a:spcPct val="102899"/>
+              </a:lnSpc>
+              <a:spcBef>
+                <a:spcPts val="309"/>
+              </a:spcBef>
+              <a:buFont typeface="Arial" panose="020B0604020202020204" pitchFamily="34" charset="0"/>
+              <a:buChar char="•"/>
+            </a:pPr>
+            <a:endParaRPr lang="en-US" sz="1800" dirty="0">
+              <a:latin typeface="Arial" panose="020B0604020202020204" pitchFamily="34" charset="0"/>
+              <a:cs typeface="Arial" panose="020B0604020202020204" pitchFamily="34" charset="0"/>
+            </a:endParaRPr>
+          </a:p>
+          <a:p>
+            <a:pPr marL="305385" marR="9818" indent="-285750">
+              <a:lnSpc>
+                <a:spcPct val="102899"/>
+              </a:lnSpc>
+              <a:spcBef>
+                <a:spcPts val="309"/>
+              </a:spcBef>
+              <a:buFont typeface="Arial" panose="020B0604020202020204" pitchFamily="34" charset="0"/>
+              <a:buChar char="•"/>
+            </a:pPr>
+            <a:r>
+              <a:rPr lang="en-US" sz="1800" dirty="0">
+                <a:latin typeface="Arial" panose="020B0604020202020204" pitchFamily="34" charset="0"/>
+                <a:cs typeface="Arial" panose="020B0604020202020204" pitchFamily="34" charset="0"/>
+              </a:rPr>
+              <a:t>Final Results: </a:t>
+            </a:r>
+          </a:p>
+          <a:p>
+            <a:pPr marL="1012262" marR="9818" lvl="1" indent="-285750">
+              <a:lnSpc>
+                <a:spcPct val="102899"/>
+              </a:lnSpc>
+              <a:spcBef>
+                <a:spcPts val="309"/>
+              </a:spcBef>
+              <a:buFont typeface="Arial" panose="020B0604020202020204" pitchFamily="34" charset="0"/>
+              <a:buChar char="•"/>
+            </a:pPr>
+            <a:r>
+              <a:rPr lang="en-US" sz="1800" dirty="0">
+                <a:latin typeface="Arial" panose="020B0604020202020204" pitchFamily="34" charset="0"/>
+                <a:cs typeface="Arial" panose="020B0604020202020204" pitchFamily="34" charset="0"/>
+              </a:rPr>
+              <a:t>Training Loss: 0.0276</a:t>
+            </a:r>
+          </a:p>
+          <a:p>
+            <a:pPr marL="1012262" marR="9818" lvl="1" indent="-285750">
+              <a:lnSpc>
+                <a:spcPct val="102899"/>
+              </a:lnSpc>
+              <a:spcBef>
+                <a:spcPts val="309"/>
+              </a:spcBef>
+              <a:buFont typeface="Arial" panose="020B0604020202020204" pitchFamily="34" charset="0"/>
+              <a:buChar char="•"/>
+            </a:pPr>
+            <a:r>
+              <a:rPr lang="en-US" sz="1800" dirty="0">
+                <a:latin typeface="Arial" panose="020B0604020202020204" pitchFamily="34" charset="0"/>
+                <a:cs typeface="Arial" panose="020B0604020202020204" pitchFamily="34" charset="0"/>
+              </a:rPr>
+              <a:t>Training Accuracy: 0.9942</a:t>
+            </a:r>
+          </a:p>
+          <a:p>
+            <a:pPr marL="1012262" marR="9818" lvl="1" indent="-285750">
+              <a:lnSpc>
+                <a:spcPct val="102899"/>
+              </a:lnSpc>
+              <a:spcBef>
+                <a:spcPts val="309"/>
+              </a:spcBef>
+              <a:buFont typeface="Arial" panose="020B0604020202020204" pitchFamily="34" charset="0"/>
+              <a:buChar char="•"/>
+            </a:pPr>
+            <a:r>
+              <a:rPr lang="en-US" sz="1800" dirty="0">
+                <a:latin typeface="Arial" panose="020B0604020202020204" pitchFamily="34" charset="0"/>
+                <a:cs typeface="Arial" panose="020B0604020202020204" pitchFamily="34" charset="0"/>
+              </a:rPr>
+              <a:t>Validation Loss: 0.0328</a:t>
+            </a:r>
+          </a:p>
+          <a:p>
+            <a:pPr marL="1012262" marR="9818" lvl="1" indent="-285750">
+              <a:lnSpc>
+                <a:spcPct val="102899"/>
+              </a:lnSpc>
+              <a:spcBef>
+                <a:spcPts val="309"/>
+              </a:spcBef>
+              <a:buFont typeface="Arial" panose="020B0604020202020204" pitchFamily="34" charset="0"/>
+              <a:buChar char="•"/>
+            </a:pPr>
+            <a:r>
+              <a:rPr lang="en-US" sz="1800" b="1" dirty="0">
+                <a:latin typeface="Arial" panose="020B0604020202020204" pitchFamily="34" charset="0"/>
+                <a:cs typeface="Arial" panose="020B0604020202020204" pitchFamily="34" charset="0"/>
+              </a:rPr>
+              <a:t>Validation Accuracy: 0.9932</a:t>
+            </a:r>
+          </a:p>
+          <a:p>
+            <a:pPr marL="305385" marR="9818" indent="-285750">
+              <a:lnSpc>
+                <a:spcPct val="102899"/>
+              </a:lnSpc>
+              <a:spcBef>
+                <a:spcPts val="309"/>
+              </a:spcBef>
+              <a:buFont typeface="Arial" panose="020B0604020202020204" pitchFamily="34" charset="0"/>
+              <a:buChar char="•"/>
+            </a:pPr>
+            <a:endParaRPr lang="en-US" sz="1800" dirty="0">
+              <a:latin typeface="Arial" panose="020B0604020202020204" pitchFamily="34" charset="0"/>
+              <a:cs typeface="Arial" panose="020B0604020202020204" pitchFamily="34" charset="0"/>
+            </a:endParaRPr>
+          </a:p>
+        </p:txBody>
+      </p:sp>
+      <p:sp>
+        <p:nvSpPr>
+          <p:cNvPr id="18" name="TextBox 17">
+            <a:extLst>
+              <a:ext uri="{FF2B5EF4-FFF2-40B4-BE49-F238E27FC236}">
+                <a16:creationId xmlns:a16="http://schemas.microsoft.com/office/drawing/2014/main" id="{C93D1C42-7B05-6E4A-9377-668E4D025679}"/>
+              </a:ext>
+            </a:extLst>
+          </p:cNvPr>
+          <p:cNvSpPr txBox="1"/>
+          <p:nvPr/>
+        </p:nvSpPr>
+        <p:spPr>
+          <a:xfrm>
+            <a:off x="9825994" y="13946520"/>
+            <a:ext cx="2535309" cy="808555"/>
           </a:xfrm>
           <a:prstGeom prst="rect">
             <a:avLst/>
@@ -3533,115 +3719,119 @@
           </a:bodyPr>
           <a:lstStyle/>
           <a:p>
-            <a:r>
-              <a:rPr lang="en-US" sz="1600" b="1" dirty="0"/>
-              <a:t>Proton Spectra at 200fs</a:t>
-            </a:r>
-          </a:p>
-        </p:txBody>
-      </p:sp>
-      <p:sp>
-        <p:nvSpPr>
-          <p:cNvPr id="34" name="TextBox 33">
+            <a:pPr marL="19635" marR="9818" lvl="0">
+              <a:lnSpc>
+                <a:spcPct val="102899"/>
+              </a:lnSpc>
+              <a:spcBef>
+                <a:spcPts val="309"/>
+              </a:spcBef>
+            </a:pPr>
+            <a:r>
+              <a:rPr lang="en-US" sz="1800" b="1" spc="15" dirty="0">
+                <a:solidFill>
+                  <a:srgbClr val="231F20"/>
+                </a:solidFill>
+                <a:latin typeface="Arial"/>
+                <a:cs typeface="Arial"/>
+              </a:rPr>
+              <a:t>Building the network</a:t>
+            </a:r>
+          </a:p>
+          <a:p>
+            <a:endParaRPr lang="en-US" dirty="0"/>
+          </a:p>
+        </p:txBody>
+      </p:sp>
+      <p:sp>
+        <p:nvSpPr>
+          <p:cNvPr id="19" name="Right Arrow 18">
             <a:extLst>
               <a:ext uri="{FF2B5EF4-FFF2-40B4-BE49-F238E27FC236}">
-                <a16:creationId xmlns:a16="http://schemas.microsoft.com/office/drawing/2014/main" id="{588FF368-AE1F-9240-9C95-EF04534B0013}"/>
+                <a16:creationId xmlns:a16="http://schemas.microsoft.com/office/drawing/2014/main" id="{CE04F2BC-D68A-F745-906B-EDDC7646B298}"/>
               </a:ext>
             </a:extLst>
           </p:cNvPr>
-          <p:cNvSpPr txBox="1"/>
+          <p:cNvSpPr/>
           <p:nvPr/>
         </p:nvSpPr>
         <p:spPr>
           <a:xfrm>
-            <a:off x="10745615" y="6064011"/>
-            <a:ext cx="484556" cy="276999"/>
+            <a:off x="13301805" y="6412347"/>
+            <a:ext cx="383458" cy="280516"/>
           </a:xfrm>
-          <a:prstGeom prst="rect">
+          <a:prstGeom prst="rightArrow">
             <a:avLst/>
           </a:prstGeom>
-          <a:noFill/>
         </p:spPr>
-        <p:txBody>
-          <a:bodyPr wrap="none" rtlCol="0">
-            <a:spAutoFit/>
-          </a:bodyPr>
+        <p:style>
+          <a:lnRef idx="2">
+            <a:schemeClr val="accent2">
+              <a:shade val="50000"/>
+            </a:schemeClr>
+          </a:lnRef>
+          <a:fillRef idx="1">
+            <a:schemeClr val="accent2"/>
+          </a:fillRef>
+          <a:effectRef idx="0">
+            <a:schemeClr val="accent2"/>
+          </a:effectRef>
+          <a:fontRef idx="minor">
+            <a:schemeClr val="lt1"/>
+          </a:fontRef>
+        </p:style>
+        <p:txBody>
+          <a:bodyPr rtlCol="0" anchor="ctr"/>
           <a:lstStyle/>
           <a:p>
-            <a:r>
-              <a:rPr lang="en-US" sz="1200" b="1" dirty="0"/>
-              <a:t>50 fs</a:t>
-            </a:r>
-          </a:p>
-        </p:txBody>
-      </p:sp>
-      <p:sp>
-        <p:nvSpPr>
-          <p:cNvPr id="35" name="TextBox 34">
+            <a:pPr algn="ctr"/>
+            <a:endParaRPr lang="en-US"/>
+          </a:p>
+        </p:txBody>
+      </p:sp>
+      <p:sp>
+        <p:nvSpPr>
+          <p:cNvPr id="56" name="Right Arrow 55">
             <a:extLst>
               <a:ext uri="{FF2B5EF4-FFF2-40B4-BE49-F238E27FC236}">
-                <a16:creationId xmlns:a16="http://schemas.microsoft.com/office/drawing/2014/main" id="{CB3CDF44-1E7A-2D41-BFF9-F6205C918172}"/>
+                <a16:creationId xmlns:a16="http://schemas.microsoft.com/office/drawing/2014/main" id="{C045E8CD-FE53-B241-AA1A-2AA4136662C9}"/>
               </a:ext>
             </a:extLst>
           </p:cNvPr>
-          <p:cNvSpPr txBox="1"/>
+          <p:cNvSpPr/>
           <p:nvPr/>
         </p:nvSpPr>
         <p:spPr>
           <a:xfrm>
-            <a:off x="13079437" y="6064011"/>
-            <a:ext cx="563103" cy="276999"/>
+            <a:off x="13352072" y="12156745"/>
+            <a:ext cx="383458" cy="280516"/>
           </a:xfrm>
-          <a:prstGeom prst="rect">
+          <a:prstGeom prst="rightArrow">
             <a:avLst/>
           </a:prstGeom>
-          <a:noFill/>
         </p:spPr>
-        <p:txBody>
-          <a:bodyPr wrap="none" rtlCol="0">
-            <a:spAutoFit/>
-          </a:bodyPr>
+        <p:style>
+          <a:lnRef idx="2">
+            <a:schemeClr val="accent2">
+              <a:shade val="50000"/>
+            </a:schemeClr>
+          </a:lnRef>
+          <a:fillRef idx="1">
+            <a:schemeClr val="accent2"/>
+          </a:fillRef>
+          <a:effectRef idx="0">
+            <a:schemeClr val="accent2"/>
+          </a:effectRef>
+          <a:fontRef idx="minor">
+            <a:schemeClr val="lt1"/>
+          </a:fontRef>
+        </p:style>
+        <p:txBody>
+          <a:bodyPr rtlCol="0" anchor="ctr"/>
           <a:lstStyle/>
           <a:p>
-            <a:r>
-              <a:rPr lang="en-US" sz="1200" b="1" dirty="0"/>
-              <a:t>100 fs</a:t>
-            </a:r>
-          </a:p>
-        </p:txBody>
-      </p:sp>
-      <p:sp>
-        <p:nvSpPr>
-          <p:cNvPr id="36" name="TextBox 35">
-            <a:extLst>
-              <a:ext uri="{FF2B5EF4-FFF2-40B4-BE49-F238E27FC236}">
-                <a16:creationId xmlns:a16="http://schemas.microsoft.com/office/drawing/2014/main" id="{30F9E7D1-1F59-E341-A79B-1CCD4A919854}"/>
-              </a:ext>
-            </a:extLst>
-          </p:cNvPr>
-          <p:cNvSpPr txBox="1"/>
-          <p:nvPr/>
-        </p:nvSpPr>
-        <p:spPr>
-          <a:xfrm>
-            <a:off x="15413259" y="6064011"/>
-            <a:ext cx="563103" cy="276999"/>
-          </a:xfrm>
-          <a:prstGeom prst="rect">
-            <a:avLst/>
-          </a:prstGeom>
-          <a:noFill/>
-        </p:spPr>
-        <p:txBody>
-          <a:bodyPr wrap="none" rtlCol="0">
-            <a:spAutoFit/>
-          </a:bodyPr>
-          <a:lstStyle/>
-          <a:p>
-            <a:r>
-              <a:rPr lang="en-US" sz="1200" b="1" dirty="0"/>
-              <a:t>150 fs</a:t>
-            </a:r>
+            <a:pPr algn="ctr"/>
+            <a:endParaRPr lang="en-US"/>
           </a:p>
         </p:txBody>
       </p:sp>
